--- a/数据分析-4-非参数分析.pptx
+++ b/数据分析-4-非参数分析.pptx
@@ -5,7 +5,7 @@
     <p:sldMasterId id="2147483660" r:id="rId1"/>
   </p:sldMasterIdLst>
   <p:notesMasterIdLst>
-    <p:notesMasterId r:id="rId28"/>
+    <p:notesMasterId r:id="rId30"/>
   </p:notesMasterIdLst>
   <p:sldIdLst>
     <p:sldId id="257" r:id="rId2"/>
@@ -25,15 +25,17 @@
     <p:sldId id="301" r:id="rId16"/>
     <p:sldId id="299" r:id="rId17"/>
     <p:sldId id="300" r:id="rId18"/>
-    <p:sldId id="305" r:id="rId19"/>
-    <p:sldId id="306" r:id="rId20"/>
-    <p:sldId id="291" r:id="rId21"/>
-    <p:sldId id="290" r:id="rId22"/>
-    <p:sldId id="303" r:id="rId23"/>
-    <p:sldId id="292" r:id="rId24"/>
-    <p:sldId id="278" r:id="rId25"/>
-    <p:sldId id="279" r:id="rId26"/>
-    <p:sldId id="294" r:id="rId27"/>
+    <p:sldId id="307" r:id="rId19"/>
+    <p:sldId id="308" r:id="rId20"/>
+    <p:sldId id="305" r:id="rId21"/>
+    <p:sldId id="306" r:id="rId22"/>
+    <p:sldId id="291" r:id="rId23"/>
+    <p:sldId id="290" r:id="rId24"/>
+    <p:sldId id="303" r:id="rId25"/>
+    <p:sldId id="292" r:id="rId26"/>
+    <p:sldId id="278" r:id="rId27"/>
+    <p:sldId id="279" r:id="rId28"/>
+    <p:sldId id="294" r:id="rId29"/>
   </p:sldIdLst>
   <p:sldSz cx="12192000" cy="6858000"/>
   <p:notesSz cx="6858000" cy="9144000"/>
@@ -2723,7 +2725,7 @@
           <a:p>
             <a:fld id="{FC9299F6-D16D-46B0-AC4B-FA8D9444DBAF}" type="datetimeFigureOut">
               <a:rPr lang="zh-CN" altLang="en-US" smtClean="0"/>
-              <a:t>2017/10/20</a:t>
+              <a:t>2017/10/21</a:t>
             </a:fld>
             <a:endParaRPr lang="zh-CN" altLang="en-US"/>
           </a:p>
@@ -3064,7 +3066,7 @@
           <a:p>
             <a:fld id="{2F4BA1A6-BC32-4EAF-951C-8AB880694E3A}" type="slidenum">
               <a:rPr lang="zh-CN" altLang="en-US" smtClean="0"/>
-              <a:t>26</a:t>
+              <a:t>28</a:t>
             </a:fld>
             <a:endParaRPr lang="zh-CN" altLang="en-US"/>
           </a:p>
@@ -3309,7 +3311,7 @@
           <a:p>
             <a:fld id="{2AD0FAF9-BC0E-4D6B-B89B-F37C16987706}" type="datetimeFigureOut">
               <a:rPr lang="zh-CN" altLang="en-US" smtClean="0"/>
-              <a:t>2017/10/20</a:t>
+              <a:t>2017/10/21</a:t>
             </a:fld>
             <a:endParaRPr lang="zh-CN" altLang="en-US"/>
           </a:p>
@@ -3517,7 +3519,7 @@
           <a:p>
             <a:fld id="{2AD0FAF9-BC0E-4D6B-B89B-F37C16987706}" type="datetimeFigureOut">
               <a:rPr lang="zh-CN" altLang="en-US" smtClean="0"/>
-              <a:t>2017/10/20</a:t>
+              <a:t>2017/10/21</a:t>
             </a:fld>
             <a:endParaRPr lang="zh-CN" altLang="en-US"/>
           </a:p>
@@ -3773,7 +3775,7 @@
           <a:p>
             <a:fld id="{2AD0FAF9-BC0E-4D6B-B89B-F37C16987706}" type="datetimeFigureOut">
               <a:rPr lang="zh-CN" altLang="en-US" smtClean="0"/>
-              <a:t>2017/10/20</a:t>
+              <a:t>2017/10/21</a:t>
             </a:fld>
             <a:endParaRPr lang="zh-CN" altLang="en-US"/>
           </a:p>
@@ -3972,7 +3974,7 @@
           <a:p>
             <a:fld id="{2AD0FAF9-BC0E-4D6B-B89B-F37C16987706}" type="datetimeFigureOut">
               <a:rPr lang="zh-CN" altLang="en-US" smtClean="0"/>
-              <a:t>2017/10/20</a:t>
+              <a:t>2017/10/21</a:t>
             </a:fld>
             <a:endParaRPr lang="zh-CN" altLang="en-US"/>
           </a:p>
@@ -4314,7 +4316,7 @@
           <a:p>
             <a:fld id="{2AD0FAF9-BC0E-4D6B-B89B-F37C16987706}" type="datetimeFigureOut">
               <a:rPr lang="zh-CN" altLang="en-US" smtClean="0"/>
-              <a:t>2017/10/20</a:t>
+              <a:t>2017/10/21</a:t>
             </a:fld>
             <a:endParaRPr lang="zh-CN" altLang="en-US"/>
           </a:p>
@@ -4589,7 +4591,7 @@
           <a:p>
             <a:fld id="{2AD0FAF9-BC0E-4D6B-B89B-F37C16987706}" type="datetimeFigureOut">
               <a:rPr lang="zh-CN" altLang="en-US" smtClean="0"/>
-              <a:t>2017/10/20</a:t>
+              <a:t>2017/10/21</a:t>
             </a:fld>
             <a:endParaRPr lang="zh-CN" altLang="en-US"/>
           </a:p>
@@ -4968,7 +4970,7 @@
           <a:p>
             <a:fld id="{2AD0FAF9-BC0E-4D6B-B89B-F37C16987706}" type="datetimeFigureOut">
               <a:rPr lang="zh-CN" altLang="en-US" smtClean="0"/>
-              <a:t>2017/10/20</a:t>
+              <a:t>2017/10/21</a:t>
             </a:fld>
             <a:endParaRPr lang="zh-CN" altLang="en-US"/>
           </a:p>
@@ -5086,7 +5088,7 @@
           <a:p>
             <a:fld id="{2AD0FAF9-BC0E-4D6B-B89B-F37C16987706}" type="datetimeFigureOut">
               <a:rPr lang="zh-CN" altLang="en-US" smtClean="0"/>
-              <a:t>2017/10/20</a:t>
+              <a:t>2017/10/21</a:t>
             </a:fld>
             <a:endParaRPr lang="zh-CN" altLang="en-US"/>
           </a:p>
@@ -5257,7 +5259,7 @@
           <a:p>
             <a:fld id="{2AD0FAF9-BC0E-4D6B-B89B-F37C16987706}" type="datetimeFigureOut">
               <a:rPr lang="zh-CN" altLang="en-US" smtClean="0"/>
-              <a:t>2017/10/20</a:t>
+              <a:t>2017/10/21</a:t>
             </a:fld>
             <a:endParaRPr lang="zh-CN" altLang="en-US"/>
           </a:p>
@@ -5611,7 +5613,7 @@
           <a:p>
             <a:fld id="{2AD0FAF9-BC0E-4D6B-B89B-F37C16987706}" type="datetimeFigureOut">
               <a:rPr lang="zh-CN" altLang="en-US" smtClean="0"/>
-              <a:t>2017/10/20</a:t>
+              <a:t>2017/10/21</a:t>
             </a:fld>
             <a:endParaRPr lang="zh-CN" altLang="en-US"/>
           </a:p>
@@ -5993,7 +5995,7 @@
           <a:p>
             <a:fld id="{2AD0FAF9-BC0E-4D6B-B89B-F37C16987706}" type="datetimeFigureOut">
               <a:rPr lang="zh-CN" altLang="en-US" smtClean="0"/>
-              <a:t>2017/10/20</a:t>
+              <a:t>2017/10/21</a:t>
             </a:fld>
             <a:endParaRPr lang="zh-CN" altLang="en-US"/>
           </a:p>
@@ -6280,7 +6282,7 @@
           <a:p>
             <a:fld id="{2AD0FAF9-BC0E-4D6B-B89B-F37C16987706}" type="datetimeFigureOut">
               <a:rPr lang="zh-CN" altLang="en-US" smtClean="0"/>
-              <a:t>2017/10/20</a:t>
+              <a:t>2017/10/21</a:t>
             </a:fld>
             <a:endParaRPr lang="zh-CN" altLang="en-US"/>
           </a:p>
@@ -7034,7 +7036,7 @@
           <a:graphicData uri="http://schemas.openxmlformats.org/presentationml/2006/ole">
             <mc:AlternateContent xmlns:mc="http://schemas.openxmlformats.org/markup-compatibility/2006">
               <mc:Choice xmlns:v="urn:schemas-microsoft-com:vml" Requires="v">
-                <p:oleObj spid="_x0000_s4148" name="Equation" r:id="rId4" imgW="711000" imgH="177480" progId="Equation.DSMT4">
+                <p:oleObj spid="_x0000_s4151" name="Equation" r:id="rId4" imgW="711000" imgH="177480" progId="Equation.DSMT4">
                   <p:embed/>
                 </p:oleObj>
               </mc:Choice>
@@ -8193,7 +8195,7 @@
             <a:graphicData uri="http://schemas.openxmlformats.org/presentationml/2006/ole">
               <mc:AlternateContent xmlns:mc="http://schemas.openxmlformats.org/markup-compatibility/2006">
                 <mc:Choice xmlns:v="urn:schemas-microsoft-com:vml" Requires="v">
-                  <p:oleObj spid="_x0000_s5171" name="Equation" r:id="rId4" imgW="1422360" imgH="533160" progId="Equation.DSMT4">
+                  <p:oleObj spid="_x0000_s5174" name="Equation" r:id="rId4" imgW="1422360" imgH="533160" progId="Equation.DSMT4">
                     <p:embed/>
                   </p:oleObj>
                 </mc:Choice>
@@ -9406,7 +9408,7 @@
             <a:graphicData uri="http://schemas.openxmlformats.org/presentationml/2006/ole">
               <mc:AlternateContent xmlns:mc="http://schemas.openxmlformats.org/markup-compatibility/2006">
                 <mc:Choice xmlns:v="urn:schemas-microsoft-com:vml" Requires="v">
-                  <p:oleObj spid="_x0000_s6195" name="Equation" r:id="rId4" imgW="1511280" imgH="482400" progId="Equation.DSMT4">
+                  <p:oleObj spid="_x0000_s6198" name="Equation" r:id="rId4" imgW="1511280" imgH="482400" progId="Equation.DSMT4">
                     <p:embed/>
                   </p:oleObj>
                 </mc:Choice>
@@ -17964,7 +17966,7 @@
             <a:graphicData uri="http://schemas.openxmlformats.org/presentationml/2006/ole">
               <mc:AlternateContent xmlns:mc="http://schemas.openxmlformats.org/markup-compatibility/2006">
                 <mc:Choice xmlns:v="urn:schemas-microsoft-com:vml" Requires="v">
-                  <p:oleObj spid="_x0000_s8223" name="Equation" r:id="rId5" imgW="164880" imgH="228600" progId="Equation.3">
+                  <p:oleObj spid="_x0000_s8229" name="Equation" r:id="rId5" imgW="164880" imgH="228600" progId="Equation.3">
                     <p:embed/>
                   </p:oleObj>
                 </mc:Choice>
@@ -18460,7 +18462,7 @@
           <a:graphicData uri="http://schemas.openxmlformats.org/presentationml/2006/ole">
             <mc:AlternateContent xmlns:mc="http://schemas.openxmlformats.org/markup-compatibility/2006">
               <mc:Choice xmlns:v="urn:schemas-microsoft-com:vml" Requires="v">
-                <p:oleObj spid="_x0000_s8224" name="Equation" r:id="rId7" imgW="3797280" imgH="482400" progId="Equation.DSMT4">
+                <p:oleObj spid="_x0000_s8230" name="Equation" r:id="rId7" imgW="3797280" imgH="482400" progId="Equation.DSMT4">
                   <p:embed/>
                 </p:oleObj>
               </mc:Choice>
@@ -19446,7 +19448,7 @@
             <a:graphicData uri="http://schemas.openxmlformats.org/presentationml/2006/ole">
               <mc:AlternateContent xmlns:mc="http://schemas.openxmlformats.org/markup-compatibility/2006">
                 <mc:Choice xmlns:v="urn:schemas-microsoft-com:vml" Requires="v">
-                  <p:oleObj spid="_x0000_s9236" name="公式" r:id="rId3" imgW="4330440" imgH="431640" progId="Equation.3">
+                  <p:oleObj spid="_x0000_s9239" name="公式" r:id="rId3" imgW="4330440" imgH="431640" progId="Equation.3">
                     <p:embed/>
                   </p:oleObj>
                 </mc:Choice>
@@ -19672,7 +19674,7 @@
           <a:graphicData uri="http://schemas.openxmlformats.org/presentationml/2006/ole">
             <mc:AlternateContent xmlns:mc="http://schemas.openxmlformats.org/markup-compatibility/2006">
               <mc:Choice xmlns:v="urn:schemas-microsoft-com:vml" Requires="v">
-                <p:oleObj spid="_x0000_s10285" name="Equation" r:id="rId3" imgW="2463480" imgH="457200" progId="Equation.DSMT4">
+                <p:oleObj spid="_x0000_s10294" name="Equation" r:id="rId3" imgW="2463480" imgH="457200" progId="Equation.DSMT4">
                   <p:embed/>
                 </p:oleObj>
               </mc:Choice>
@@ -19743,7 +19745,7 @@
             <a:graphicData uri="http://schemas.openxmlformats.org/presentationml/2006/ole">
               <mc:AlternateContent xmlns:mc="http://schemas.openxmlformats.org/markup-compatibility/2006">
                 <mc:Choice xmlns:v="urn:schemas-microsoft-com:vml" Requires="v">
-                  <p:oleObj spid="_x0000_s10286" name="Equation" r:id="rId5" imgW="1104840" imgH="431640" progId="Equation.DSMT4">
+                  <p:oleObj spid="_x0000_s10295" name="Equation" r:id="rId5" imgW="1104840" imgH="431640" progId="Equation.DSMT4">
                     <p:embed/>
                   </p:oleObj>
                 </mc:Choice>
@@ -19851,7 +19853,7 @@
             <a:graphicData uri="http://schemas.openxmlformats.org/presentationml/2006/ole">
               <mc:AlternateContent xmlns:mc="http://schemas.openxmlformats.org/markup-compatibility/2006">
                 <mc:Choice xmlns:v="urn:schemas-microsoft-com:vml" Requires="v">
-                  <p:oleObj spid="_x0000_s10287" name="Equation" r:id="rId7" imgW="1358640" imgH="457200" progId="Equation.DSMT4">
+                  <p:oleObj spid="_x0000_s10296" name="Equation" r:id="rId7" imgW="1358640" imgH="457200" progId="Equation.DSMT4">
                     <p:embed/>
                   </p:oleObj>
                 </mc:Choice>
@@ -20540,7 +20542,7 @@
           <p:nvPr>
             <p:extLst>
               <p:ext uri="{D42A27DB-BD31-4B8C-83A1-F6EECF244321}">
-                <p14:modId xmlns:p14="http://schemas.microsoft.com/office/powerpoint/2010/main" val="2830985921"/>
+                <p14:modId xmlns:p14="http://schemas.microsoft.com/office/powerpoint/2010/main" val="1011114898"/>
               </p:ext>
             </p:extLst>
           </p:nvPr>
@@ -20553,7 +20555,7 @@
           <a:graphicData uri="http://schemas.openxmlformats.org/presentationml/2006/ole">
             <mc:AlternateContent xmlns:mc="http://schemas.openxmlformats.org/markup-compatibility/2006">
               <mc:Choice xmlns:v="urn:schemas-microsoft-com:vml" Requires="v">
-                <p:oleObj spid="_x0000_s11334" name="Equation" r:id="rId3" imgW="2463480" imgH="457200" progId="Equation.DSMT4">
+                <p:oleObj spid="_x0000_s11348" name="Equation" r:id="rId3" imgW="2463480" imgH="457200" progId="Equation.DSMT4">
                   <p:embed/>
                 </p:oleObj>
               </mc:Choice>
@@ -20610,7 +20612,7 @@
           <a:graphicData uri="http://schemas.openxmlformats.org/presentationml/2006/ole">
             <mc:AlternateContent xmlns:mc="http://schemas.openxmlformats.org/markup-compatibility/2006">
               <mc:Choice xmlns:v="urn:schemas-microsoft-com:vml" Requires="v">
-                <p:oleObj spid="_x0000_s11335" name="Equation" r:id="rId5" imgW="1028520" imgH="228600" progId="Equation.DSMT4">
+                <p:oleObj spid="_x0000_s11349" name="Equation" r:id="rId5" imgW="1028520" imgH="228600" progId="Equation.DSMT4">
                   <p:embed/>
                 </p:oleObj>
               </mc:Choice>
@@ -20633,63 +20635,6 @@
                       <a:xfrm>
                         <a:off x="1097280" y="3022193"/>
                         <a:ext cx="2476500" cy="550862"/>
-                      </a:xfrm>
-                      <a:prstGeom prst="rect">
-                        <a:avLst/>
-                      </a:prstGeom>
-                    </p:spPr>
-                  </p:pic>
-                </p:oleObj>
-              </mc:Fallback>
-            </mc:AlternateContent>
-          </a:graphicData>
-        </a:graphic>
-      </p:graphicFrame>
-      <p:graphicFrame>
-        <p:nvGraphicFramePr>
-          <p:cNvPr id="7" name="对象 6"/>
-          <p:cNvGraphicFramePr>
-            <a:graphicFrameLocks noChangeAspect="1"/>
-          </p:cNvGraphicFramePr>
-          <p:nvPr>
-            <p:extLst>
-              <p:ext uri="{D42A27DB-BD31-4B8C-83A1-F6EECF244321}">
-                <p14:modId xmlns:p14="http://schemas.microsoft.com/office/powerpoint/2010/main" val="2693498287"/>
-              </p:ext>
-            </p:extLst>
-          </p:nvPr>
-        </p:nvGraphicFramePr>
-        <p:xfrm>
-          <a:off x="1097280" y="3932599"/>
-          <a:ext cx="3730625" cy="581025"/>
-        </p:xfrm>
-        <a:graphic>
-          <a:graphicData uri="http://schemas.openxmlformats.org/presentationml/2006/ole">
-            <mc:AlternateContent xmlns:mc="http://schemas.openxmlformats.org/markup-compatibility/2006">
-              <mc:Choice xmlns:v="urn:schemas-microsoft-com:vml" Requires="v">
-                <p:oleObj spid="_x0000_s11336" name="Equation" r:id="rId7" imgW="1549080" imgH="241200" progId="Equation.DSMT4">
-                  <p:embed/>
-                </p:oleObj>
-              </mc:Choice>
-              <mc:Fallback>
-                <p:oleObj name="Equation" r:id="rId7" imgW="1549080" imgH="241200" progId="Equation.DSMT4">
-                  <p:embed/>
-                  <p:pic>
-                    <p:nvPicPr>
-                      <p:cNvPr id="6" name="对象 5"/>
-                      <p:cNvPicPr/>
-                      <p:nvPr/>
-                    </p:nvPicPr>
-                    <p:blipFill>
-                      <a:blip r:embed="rId8"/>
-                      <a:stretch>
-                        <a:fillRect/>
-                      </a:stretch>
-                    </p:blipFill>
-                    <p:spPr>
-                      <a:xfrm>
-                        <a:off x="1097280" y="3932599"/>
-                        <a:ext cx="3730625" cy="581025"/>
                       </a:xfrm>
                       <a:prstGeom prst="rect">
                         <a:avLst/>
@@ -20777,186 +20722,6 @@
           <a:p>
             <a:pPr algn="ctr"/>
             <a:endParaRPr lang="zh-CN" altLang="en-US"/>
-          </a:p>
-        </p:txBody>
-      </p:sp>
-      <p:graphicFrame>
-        <p:nvGraphicFramePr>
-          <p:cNvPr id="13" name="对象 12"/>
-          <p:cNvGraphicFramePr>
-            <a:graphicFrameLocks noChangeAspect="1"/>
-          </p:cNvGraphicFramePr>
-          <p:nvPr>
-            <p:extLst>
-              <p:ext uri="{D42A27DB-BD31-4B8C-83A1-F6EECF244321}">
-                <p14:modId xmlns:p14="http://schemas.microsoft.com/office/powerpoint/2010/main" val="2501913810"/>
-              </p:ext>
-            </p:extLst>
-          </p:nvPr>
-        </p:nvGraphicFramePr>
-        <p:xfrm>
-          <a:off x="2670175" y="5395913"/>
-          <a:ext cx="1498600" cy="1039812"/>
-        </p:xfrm>
-        <a:graphic>
-          <a:graphicData uri="http://schemas.openxmlformats.org/presentationml/2006/ole">
-            <mc:AlternateContent xmlns:mc="http://schemas.openxmlformats.org/markup-compatibility/2006">
-              <mc:Choice xmlns:v="urn:schemas-microsoft-com:vml" Requires="v">
-                <p:oleObj spid="_x0000_s11337" name="Equation" r:id="rId9" imgW="622080" imgH="431640" progId="Equation.DSMT4">
-                  <p:embed/>
-                </p:oleObj>
-              </mc:Choice>
-              <mc:Fallback>
-                <p:oleObj name="Equation" r:id="rId9" imgW="622080" imgH="431640" progId="Equation.DSMT4">
-                  <p:embed/>
-                  <p:pic>
-                    <p:nvPicPr>
-                      <p:cNvPr id="6" name="对象 5"/>
-                      <p:cNvPicPr/>
-                      <p:nvPr/>
-                    </p:nvPicPr>
-                    <p:blipFill>
-                      <a:blip r:embed="rId10"/>
-                      <a:stretch>
-                        <a:fillRect/>
-                      </a:stretch>
-                    </p:blipFill>
-                    <p:spPr>
-                      <a:xfrm>
-                        <a:off x="2670175" y="5395913"/>
-                        <a:ext cx="1498600" cy="1039812"/>
-                      </a:xfrm>
-                      <a:prstGeom prst="rect">
-                        <a:avLst/>
-                      </a:prstGeom>
-                    </p:spPr>
-                  </p:pic>
-                </p:oleObj>
-              </mc:Fallback>
-            </mc:AlternateContent>
-          </a:graphicData>
-        </a:graphic>
-      </p:graphicFrame>
-      <p:graphicFrame>
-        <p:nvGraphicFramePr>
-          <p:cNvPr id="14" name="对象 13"/>
-          <p:cNvGraphicFramePr>
-            <a:graphicFrameLocks noChangeAspect="1"/>
-          </p:cNvGraphicFramePr>
-          <p:nvPr>
-            <p:extLst>
-              <p:ext uri="{D42A27DB-BD31-4B8C-83A1-F6EECF244321}">
-                <p14:modId xmlns:p14="http://schemas.microsoft.com/office/powerpoint/2010/main" val="366224643"/>
-              </p:ext>
-            </p:extLst>
-          </p:nvPr>
-        </p:nvGraphicFramePr>
-        <p:xfrm>
-          <a:off x="4918075" y="5410200"/>
-          <a:ext cx="1500188" cy="1039813"/>
-        </p:xfrm>
-        <a:graphic>
-          <a:graphicData uri="http://schemas.openxmlformats.org/presentationml/2006/ole">
-            <mc:AlternateContent xmlns:mc="http://schemas.openxmlformats.org/markup-compatibility/2006">
-              <mc:Choice xmlns:v="urn:schemas-microsoft-com:vml" Requires="v">
-                <p:oleObj spid="_x0000_s11338" name="Equation" r:id="rId11" imgW="622080" imgH="431640" progId="Equation.DSMT4">
-                  <p:embed/>
-                </p:oleObj>
-              </mc:Choice>
-              <mc:Fallback>
-                <p:oleObj name="Equation" r:id="rId11" imgW="622080" imgH="431640" progId="Equation.DSMT4">
-                  <p:embed/>
-                  <p:pic>
-                    <p:nvPicPr>
-                      <p:cNvPr id="13" name="对象 12"/>
-                      <p:cNvPicPr/>
-                      <p:nvPr/>
-                    </p:nvPicPr>
-                    <p:blipFill>
-                      <a:blip r:embed="rId12"/>
-                      <a:stretch>
-                        <a:fillRect/>
-                      </a:stretch>
-                    </p:blipFill>
-                    <p:spPr>
-                      <a:xfrm>
-                        <a:off x="4918075" y="5410200"/>
-                        <a:ext cx="1500188" cy="1039813"/>
-                      </a:xfrm>
-                      <a:prstGeom prst="rect">
-                        <a:avLst/>
-                      </a:prstGeom>
-                    </p:spPr>
-                  </p:pic>
-                </p:oleObj>
-              </mc:Fallback>
-            </mc:AlternateContent>
-          </a:graphicData>
-        </a:graphic>
-      </p:graphicFrame>
-      <p:sp>
-        <p:nvSpPr>
-          <p:cNvPr id="15" name="文本框 14"/>
-          <p:cNvSpPr txBox="1"/>
-          <p:nvPr/>
-        </p:nvSpPr>
-        <p:spPr>
-          <a:xfrm>
-            <a:off x="1097280" y="4774134"/>
-            <a:ext cx="8494633" cy="461665"/>
-          </a:xfrm>
-          <a:prstGeom prst="rect">
-            <a:avLst/>
-          </a:prstGeom>
-          <a:noFill/>
-        </p:spPr>
-        <p:txBody>
-          <a:bodyPr wrap="none" rtlCol="0">
-            <a:spAutoFit/>
-          </a:bodyPr>
-          <a:lstStyle/>
-          <a:p>
-            <a:r>
-              <a:rPr lang="zh-CN" altLang="en-US" sz="2400" dirty="0" smtClean="0">
-                <a:latin typeface="幼圆" panose="02010509060101010101" pitchFamily="49" charset="-122"/>
-                <a:ea typeface="幼圆" panose="02010509060101010101" pitchFamily="49" charset="-122"/>
-              </a:rPr>
-              <a:t>为了排除干扰方便后续处理，除上方差进行标准化后生成均方</a:t>
-            </a:r>
-            <a:endParaRPr lang="zh-CN" altLang="en-US" sz="2400" dirty="0">
-              <a:latin typeface="幼圆" panose="02010509060101010101" pitchFamily="49" charset="-122"/>
-              <a:ea typeface="幼圆" panose="02010509060101010101" pitchFamily="49" charset="-122"/>
-            </a:endParaRPr>
-          </a:p>
-        </p:txBody>
-      </p:sp>
-      <p:sp>
-        <p:nvSpPr>
-          <p:cNvPr id="16" name="文本框 15"/>
-          <p:cNvSpPr txBox="1"/>
-          <p:nvPr/>
-        </p:nvSpPr>
-        <p:spPr>
-          <a:xfrm>
-            <a:off x="1097280" y="5689605"/>
-            <a:ext cx="1107996" cy="461665"/>
-          </a:xfrm>
-          <a:prstGeom prst="rect">
-            <a:avLst/>
-          </a:prstGeom>
-          <a:noFill/>
-        </p:spPr>
-        <p:txBody>
-          <a:bodyPr wrap="none" rtlCol="0">
-            <a:spAutoFit/>
-          </a:bodyPr>
-          <a:lstStyle/>
-          <a:p>
-            <a:r>
-              <a:rPr lang="zh-CN" altLang="en-US" sz="2400" b="1" dirty="0" smtClean="0"/>
-              <a:t>均方：</a:t>
-            </a:r>
-            <a:endParaRPr lang="zh-CN" altLang="en-US" sz="2400" b="1" dirty="0"/>
           </a:p>
         </p:txBody>
       </p:sp>
@@ -21175,33 +20940,959 @@
                       </p:childTnLst>
                     </p:cTn>
                   </p:par>
+                </p:childTnLst>
+              </p:cTn>
+              <p:prevCondLst>
+                <p:cond evt="onPrev" delay="0">
+                  <p:tgtEl>
+                    <p:sldTgt/>
+                  </p:tgtEl>
+                </p:cond>
+              </p:prevCondLst>
+              <p:nextCondLst>
+                <p:cond evt="onNext" delay="0">
+                  <p:tgtEl>
+                    <p:sldTgt/>
+                  </p:tgtEl>
+                </p:cond>
+              </p:nextCondLst>
+            </p:seq>
+          </p:childTnLst>
+        </p:cTn>
+      </p:par>
+    </p:tnLst>
+    <p:bldLst>
+      <p:bldP spid="10" grpId="0" animBg="1"/>
+      <p:bldP spid="11" grpId="0" animBg="1"/>
+    </p:bldLst>
+  </p:timing>
+</p:sld>
+</file>
+
+<file path=ppt/slides/slide18.xml><?xml version="1.0" encoding="utf-8"?>
+<p:sld xmlns:a="http://schemas.openxmlformats.org/drawingml/2006/main" xmlns:r="http://schemas.openxmlformats.org/officeDocument/2006/relationships" xmlns:p="http://schemas.openxmlformats.org/presentationml/2006/main">
+  <p:cSld>
+    <p:spTree>
+      <p:nvGrpSpPr>
+        <p:cNvPr id="1" name=""/>
+        <p:cNvGrpSpPr/>
+        <p:nvPr/>
+      </p:nvGrpSpPr>
+      <p:grpSpPr>
+        <a:xfrm>
+          <a:off x="0" y="0"/>
+          <a:ext cx="0" cy="0"/>
+          <a:chOff x="0" y="0"/>
+          <a:chExt cx="0" cy="0"/>
+        </a:xfrm>
+      </p:grpSpPr>
+      <p:sp>
+        <p:nvSpPr>
+          <p:cNvPr id="4" name="标题 3"/>
+          <p:cNvSpPr>
+            <a:spLocks noGrp="1"/>
+          </p:cNvSpPr>
+          <p:nvPr>
+            <p:ph type="title"/>
+          </p:nvPr>
+        </p:nvSpPr>
+        <p:spPr/>
+        <p:txBody>
+          <a:bodyPr/>
+          <a:lstStyle/>
+          <a:p>
+            <a:endParaRPr lang="zh-CN" altLang="en-US"/>
+          </a:p>
+        </p:txBody>
+      </p:sp>
+      <p:sp>
+        <p:nvSpPr>
+          <p:cNvPr id="5" name="内容占位符 4"/>
+          <p:cNvSpPr>
+            <a:spLocks noGrp="1"/>
+          </p:cNvSpPr>
+          <p:nvPr>
+            <p:ph sz="half" idx="1"/>
+          </p:nvPr>
+        </p:nvSpPr>
+        <p:spPr/>
+        <p:txBody>
+          <a:bodyPr/>
+          <a:lstStyle/>
+          <a:p>
+            <a:r>
+              <a:rPr lang="zh-CN" altLang="en-US" dirty="0" smtClean="0"/>
+              <a:t>组内效应</a:t>
+            </a:r>
+            <a:endParaRPr lang="en-US" altLang="zh-CN" dirty="0" smtClean="0"/>
+          </a:p>
+          <a:p>
+            <a:endParaRPr lang="en-US" altLang="zh-CN" dirty="0"/>
+          </a:p>
+          <a:p>
+            <a:endParaRPr lang="en-US" altLang="zh-CN" dirty="0" smtClean="0"/>
+          </a:p>
+          <a:p>
+            <a:r>
+              <a:rPr lang="zh-CN" altLang="en-US" dirty="0" smtClean="0"/>
+              <a:t>组内效应的自由度</a:t>
+            </a:r>
+            <a:endParaRPr lang="en-US" altLang="zh-CN" dirty="0" smtClean="0"/>
+          </a:p>
+          <a:p>
+            <a:endParaRPr lang="en-US" altLang="zh-CN" dirty="0"/>
+          </a:p>
+        </p:txBody>
+      </p:sp>
+      <p:sp>
+        <p:nvSpPr>
+          <p:cNvPr id="6" name="内容占位符 5"/>
+          <p:cNvSpPr>
+            <a:spLocks noGrp="1"/>
+          </p:cNvSpPr>
+          <p:nvPr>
+            <p:ph sz="half" idx="2"/>
+          </p:nvPr>
+        </p:nvSpPr>
+        <p:spPr/>
+        <p:txBody>
+          <a:bodyPr/>
+          <a:lstStyle/>
+          <a:p>
+            <a:r>
+              <a:rPr lang="zh-CN" altLang="en-US" dirty="0" smtClean="0"/>
+              <a:t>组间效应</a:t>
+            </a:r>
+            <a:endParaRPr lang="en-US" altLang="zh-CN" dirty="0" smtClean="0"/>
+          </a:p>
+          <a:p>
+            <a:endParaRPr lang="en-US" altLang="zh-CN" dirty="0"/>
+          </a:p>
+          <a:p>
+            <a:endParaRPr lang="en-US" altLang="zh-CN" dirty="0" smtClean="0"/>
+          </a:p>
+          <a:p>
+            <a:r>
+              <a:rPr lang="zh-CN" altLang="en-US" dirty="0" smtClean="0"/>
+              <a:t>组间效应的自由度</a:t>
+            </a:r>
+            <a:endParaRPr lang="zh-CN" altLang="en-US" dirty="0"/>
+          </a:p>
+        </p:txBody>
+      </p:sp>
+      <p:graphicFrame>
+        <p:nvGraphicFramePr>
+          <p:cNvPr id="8" name="对象 7"/>
+          <p:cNvGraphicFramePr>
+            <a:graphicFrameLocks noChangeAspect="1"/>
+          </p:cNvGraphicFramePr>
+          <p:nvPr>
+            <p:extLst>
+              <p:ext uri="{D42A27DB-BD31-4B8C-83A1-F6EECF244321}">
+                <p14:modId xmlns:p14="http://schemas.microsoft.com/office/powerpoint/2010/main" val="1628104061"/>
+              </p:ext>
+            </p:extLst>
+          </p:nvPr>
+        </p:nvGraphicFramePr>
+        <p:xfrm>
+          <a:off x="1193531" y="2327860"/>
+          <a:ext cx="2864294" cy="920666"/>
+        </p:xfrm>
+        <a:graphic>
+          <a:graphicData uri="http://schemas.openxmlformats.org/presentationml/2006/ole">
+            <mc:AlternateContent xmlns:mc="http://schemas.openxmlformats.org/markup-compatibility/2006">
+              <mc:Choice xmlns:v="urn:schemas-microsoft-com:vml" Requires="v">
+                <p:oleObj spid="_x0000_s14350" name="Equation" r:id="rId3" imgW="1422360" imgH="457200" progId="Equation.DSMT4">
+                  <p:embed/>
+                </p:oleObj>
+              </mc:Choice>
+              <mc:Fallback>
+                <p:oleObj name="Equation" r:id="rId3" imgW="1422360" imgH="457200" progId="Equation.DSMT4">
+                  <p:embed/>
+                  <p:pic>
+                    <p:nvPicPr>
+                      <p:cNvPr id="0" name=""/>
+                      <p:cNvPicPr/>
+                      <p:nvPr/>
+                    </p:nvPicPr>
+                    <p:blipFill>
+                      <a:blip r:embed="rId4"/>
+                      <a:stretch>
+                        <a:fillRect/>
+                      </a:stretch>
+                    </p:blipFill>
+                    <p:spPr>
+                      <a:xfrm>
+                        <a:off x="1193531" y="2327860"/>
+                        <a:ext cx="2864294" cy="920666"/>
+                      </a:xfrm>
+                      <a:prstGeom prst="rect">
+                        <a:avLst/>
+                      </a:prstGeom>
+                    </p:spPr>
+                  </p:pic>
+                </p:oleObj>
+              </mc:Fallback>
+            </mc:AlternateContent>
+          </a:graphicData>
+        </a:graphic>
+      </p:graphicFrame>
+      <p:graphicFrame>
+        <p:nvGraphicFramePr>
+          <p:cNvPr id="9" name="对象 8"/>
+          <p:cNvGraphicFramePr>
+            <a:graphicFrameLocks noChangeAspect="1"/>
+          </p:cNvGraphicFramePr>
+          <p:nvPr>
+            <p:extLst>
+              <p:ext uri="{D42A27DB-BD31-4B8C-83A1-F6EECF244321}">
+                <p14:modId xmlns:p14="http://schemas.microsoft.com/office/powerpoint/2010/main" val="18468171"/>
+              </p:ext>
+            </p:extLst>
+          </p:nvPr>
+        </p:nvGraphicFramePr>
+        <p:xfrm>
+          <a:off x="6217920" y="2364102"/>
+          <a:ext cx="2462869" cy="836446"/>
+        </p:xfrm>
+        <a:graphic>
+          <a:graphicData uri="http://schemas.openxmlformats.org/presentationml/2006/ole">
+            <mc:AlternateContent xmlns:mc="http://schemas.openxmlformats.org/markup-compatibility/2006">
+              <mc:Choice xmlns:v="urn:schemas-microsoft-com:vml" Requires="v">
+                <p:oleObj spid="_x0000_s14351" name="Equation" r:id="rId5" imgW="1346040" imgH="457200" progId="Equation.DSMT4">
+                  <p:embed/>
+                </p:oleObj>
+              </mc:Choice>
+              <mc:Fallback>
+                <p:oleObj name="Equation" r:id="rId5" imgW="1346040" imgH="457200" progId="Equation.DSMT4">
+                  <p:embed/>
+                  <p:pic>
+                    <p:nvPicPr>
+                      <p:cNvPr id="0" name=""/>
+                      <p:cNvPicPr/>
+                      <p:nvPr/>
+                    </p:nvPicPr>
+                    <p:blipFill>
+                      <a:blip r:embed="rId6"/>
+                      <a:stretch>
+                        <a:fillRect/>
+                      </a:stretch>
+                    </p:blipFill>
+                    <p:spPr>
+                      <a:xfrm>
+                        <a:off x="6217920" y="2364102"/>
+                        <a:ext cx="2462869" cy="836446"/>
+                      </a:xfrm>
+                      <a:prstGeom prst="rect">
+                        <a:avLst/>
+                      </a:prstGeom>
+                    </p:spPr>
+                  </p:pic>
+                </p:oleObj>
+              </mc:Fallback>
+            </mc:AlternateContent>
+          </a:graphicData>
+        </a:graphic>
+      </p:graphicFrame>
+      <p:graphicFrame>
+        <p:nvGraphicFramePr>
+          <p:cNvPr id="10" name="对象 9"/>
+          <p:cNvGraphicFramePr>
+            <a:graphicFrameLocks noChangeAspect="1"/>
+          </p:cNvGraphicFramePr>
+          <p:nvPr>
+            <p:extLst>
+              <p:ext uri="{D42A27DB-BD31-4B8C-83A1-F6EECF244321}">
+                <p14:modId xmlns:p14="http://schemas.microsoft.com/office/powerpoint/2010/main" val="3575776495"/>
+              </p:ext>
+            </p:extLst>
+          </p:nvPr>
+        </p:nvGraphicFramePr>
+        <p:xfrm>
+          <a:off x="6254468" y="3780501"/>
+          <a:ext cx="1433712" cy="469215"/>
+        </p:xfrm>
+        <a:graphic>
+          <a:graphicData uri="http://schemas.openxmlformats.org/presentationml/2006/ole">
+            <mc:AlternateContent xmlns:mc="http://schemas.openxmlformats.org/markup-compatibility/2006">
+              <mc:Choice xmlns:v="urn:schemas-microsoft-com:vml" Requires="v">
+                <p:oleObj spid="_x0000_s14352" name="Equation" r:id="rId7" imgW="698400" imgH="228600" progId="Equation.DSMT4">
+                  <p:embed/>
+                </p:oleObj>
+              </mc:Choice>
+              <mc:Fallback>
+                <p:oleObj name="Equation" r:id="rId7" imgW="698400" imgH="228600" progId="Equation.DSMT4">
+                  <p:embed/>
+                  <p:pic>
+                    <p:nvPicPr>
+                      <p:cNvPr id="0" name=""/>
+                      <p:cNvPicPr/>
+                      <p:nvPr/>
+                    </p:nvPicPr>
+                    <p:blipFill>
+                      <a:blip r:embed="rId8"/>
+                      <a:stretch>
+                        <a:fillRect/>
+                      </a:stretch>
+                    </p:blipFill>
+                    <p:spPr>
+                      <a:xfrm>
+                        <a:off x="6254468" y="3780501"/>
+                        <a:ext cx="1433712" cy="469215"/>
+                      </a:xfrm>
+                      <a:prstGeom prst="rect">
+                        <a:avLst/>
+                      </a:prstGeom>
+                    </p:spPr>
+                  </p:pic>
+                </p:oleObj>
+              </mc:Fallback>
+            </mc:AlternateContent>
+          </a:graphicData>
+        </a:graphic>
+      </p:graphicFrame>
+      <p:graphicFrame>
+        <p:nvGraphicFramePr>
+          <p:cNvPr id="11" name="对象 10"/>
+          <p:cNvGraphicFramePr>
+            <a:graphicFrameLocks noChangeAspect="1"/>
+          </p:cNvGraphicFramePr>
+          <p:nvPr>
+            <p:extLst>
+              <p:ext uri="{D42A27DB-BD31-4B8C-83A1-F6EECF244321}">
+                <p14:modId xmlns:p14="http://schemas.microsoft.com/office/powerpoint/2010/main" val="3220578723"/>
+              </p:ext>
+            </p:extLst>
+          </p:nvPr>
+        </p:nvGraphicFramePr>
+        <p:xfrm>
+          <a:off x="1245400" y="3780502"/>
+          <a:ext cx="1541568" cy="478418"/>
+        </p:xfrm>
+        <a:graphic>
+          <a:graphicData uri="http://schemas.openxmlformats.org/presentationml/2006/ole">
+            <mc:AlternateContent xmlns:mc="http://schemas.openxmlformats.org/markup-compatibility/2006">
+              <mc:Choice xmlns:v="urn:schemas-microsoft-com:vml" Requires="v">
+                <p:oleObj spid="_x0000_s14353" name="Equation" r:id="rId9" imgW="736560" imgH="228600" progId="Equation.DSMT4">
+                  <p:embed/>
+                </p:oleObj>
+              </mc:Choice>
+              <mc:Fallback>
+                <p:oleObj name="Equation" r:id="rId9" imgW="736560" imgH="228600" progId="Equation.DSMT4">
+                  <p:embed/>
+                  <p:pic>
+                    <p:nvPicPr>
+                      <p:cNvPr id="10" name="对象 9"/>
+                      <p:cNvPicPr/>
+                      <p:nvPr/>
+                    </p:nvPicPr>
+                    <p:blipFill>
+                      <a:blip r:embed="rId10"/>
+                      <a:stretch>
+                        <a:fillRect/>
+                      </a:stretch>
+                    </p:blipFill>
+                    <p:spPr>
+                      <a:xfrm>
+                        <a:off x="1245400" y="3780502"/>
+                        <a:ext cx="1541568" cy="478418"/>
+                      </a:xfrm>
+                      <a:prstGeom prst="rect">
+                        <a:avLst/>
+                      </a:prstGeom>
+                    </p:spPr>
+                  </p:pic>
+                </p:oleObj>
+              </mc:Fallback>
+            </mc:AlternateContent>
+          </a:graphicData>
+        </a:graphic>
+      </p:graphicFrame>
+      <p:graphicFrame>
+        <p:nvGraphicFramePr>
+          <p:cNvPr id="12" name="对象 11"/>
+          <p:cNvGraphicFramePr>
+            <a:graphicFrameLocks noChangeAspect="1"/>
+          </p:cNvGraphicFramePr>
+          <p:nvPr>
+            <p:extLst>
+              <p:ext uri="{D42A27DB-BD31-4B8C-83A1-F6EECF244321}">
+                <p14:modId xmlns:p14="http://schemas.microsoft.com/office/powerpoint/2010/main" val="3129144222"/>
+              </p:ext>
+            </p:extLst>
+          </p:nvPr>
+        </p:nvGraphicFramePr>
+        <p:xfrm>
+          <a:off x="4107002" y="5082202"/>
+          <a:ext cx="1928037" cy="389940"/>
+        </p:xfrm>
+        <a:graphic>
+          <a:graphicData uri="http://schemas.openxmlformats.org/presentationml/2006/ole">
+            <mc:AlternateContent xmlns:mc="http://schemas.openxmlformats.org/markup-compatibility/2006">
+              <mc:Choice xmlns:v="urn:schemas-microsoft-com:vml" Requires="v">
+                <p:oleObj spid="_x0000_s14354" name="Equation" r:id="rId11" imgW="1130040" imgH="228600" progId="Equation.DSMT4">
+                  <p:embed/>
+                </p:oleObj>
+              </mc:Choice>
+              <mc:Fallback>
+                <p:oleObj name="Equation" r:id="rId11" imgW="1130040" imgH="228600" progId="Equation.DSMT4">
+                  <p:embed/>
+                  <p:pic>
+                    <p:nvPicPr>
+                      <p:cNvPr id="10" name="对象 9"/>
+                      <p:cNvPicPr/>
+                      <p:nvPr/>
+                    </p:nvPicPr>
+                    <p:blipFill>
+                      <a:blip r:embed="rId12"/>
+                      <a:stretch>
+                        <a:fillRect/>
+                      </a:stretch>
+                    </p:blipFill>
+                    <p:spPr>
+                      <a:xfrm>
+                        <a:off x="4107002" y="5082202"/>
+                        <a:ext cx="1928037" cy="389940"/>
+                      </a:xfrm>
+                      <a:prstGeom prst="rect">
+                        <a:avLst/>
+                      </a:prstGeom>
+                    </p:spPr>
+                  </p:pic>
+                </p:oleObj>
+              </mc:Fallback>
+            </mc:AlternateContent>
+          </a:graphicData>
+        </a:graphic>
+      </p:graphicFrame>
+      <p:sp>
+        <p:nvSpPr>
+          <p:cNvPr id="13" name="弧形 12"/>
+          <p:cNvSpPr/>
+          <p:nvPr/>
+        </p:nvSpPr>
+        <p:spPr>
+          <a:xfrm rot="11489747">
+            <a:off x="2647241" y="4119416"/>
+            <a:ext cx="2213810" cy="1018252"/>
+          </a:xfrm>
+          <a:prstGeom prst="arc">
+            <a:avLst/>
+          </a:prstGeom>
+          <a:ln>
+            <a:headEnd type="arrow" w="med" len="med"/>
+            <a:tailEnd type="none" w="med" len="med"/>
+          </a:ln>
+        </p:spPr>
+        <p:style>
+          <a:lnRef idx="1">
+            <a:schemeClr val="accent1"/>
+          </a:lnRef>
+          <a:fillRef idx="0">
+            <a:schemeClr val="accent1"/>
+          </a:fillRef>
+          <a:effectRef idx="0">
+            <a:schemeClr val="accent1"/>
+          </a:effectRef>
+          <a:fontRef idx="minor">
+            <a:schemeClr val="tx1"/>
+          </a:fontRef>
+        </p:style>
+        <p:txBody>
+          <a:bodyPr rtlCol="0" anchor="ctr"/>
+          <a:lstStyle/>
+          <a:p>
+            <a:pPr algn="ctr"/>
+            <a:endParaRPr lang="zh-CN" altLang="en-US"/>
+          </a:p>
+        </p:txBody>
+      </p:sp>
+      <p:sp>
+        <p:nvSpPr>
+          <p:cNvPr id="14" name="弧形 13"/>
+          <p:cNvSpPr/>
+          <p:nvPr/>
+        </p:nvSpPr>
+        <p:spPr>
+          <a:xfrm rot="7266405">
+            <a:off x="5459375" y="3612179"/>
+            <a:ext cx="2213810" cy="1018252"/>
+          </a:xfrm>
+          <a:prstGeom prst="arc">
+            <a:avLst>
+              <a:gd name="adj1" fmla="val 14837676"/>
+              <a:gd name="adj2" fmla="val 21080604"/>
+            </a:avLst>
+          </a:prstGeom>
+          <a:ln>
+            <a:headEnd type="none" w="med" len="med"/>
+            <a:tailEnd type="arrow" w="med" len="med"/>
+          </a:ln>
+        </p:spPr>
+        <p:style>
+          <a:lnRef idx="1">
+            <a:schemeClr val="accent1"/>
+          </a:lnRef>
+          <a:fillRef idx="0">
+            <a:schemeClr val="accent1"/>
+          </a:fillRef>
+          <a:effectRef idx="0">
+            <a:schemeClr val="accent1"/>
+          </a:effectRef>
+          <a:fontRef idx="minor">
+            <a:schemeClr val="tx1"/>
+          </a:fontRef>
+        </p:style>
+        <p:txBody>
+          <a:bodyPr rtlCol="0" anchor="ctr"/>
+          <a:lstStyle/>
+          <a:p>
+            <a:pPr algn="ctr"/>
+            <a:endParaRPr lang="zh-CN" altLang="en-US"/>
+          </a:p>
+        </p:txBody>
+      </p:sp>
+    </p:spTree>
+    <p:extLst>
+      <p:ext uri="{BB962C8B-B14F-4D97-AF65-F5344CB8AC3E}">
+        <p14:creationId xmlns:p14="http://schemas.microsoft.com/office/powerpoint/2010/main" val="492465780"/>
+      </p:ext>
+    </p:extLst>
+  </p:cSld>
+  <p:clrMapOvr>
+    <a:masterClrMapping/>
+  </p:clrMapOvr>
+</p:sld>
+</file>
+
+<file path=ppt/slides/slide19.xml><?xml version="1.0" encoding="utf-8"?>
+<p:sld xmlns:a="http://schemas.openxmlformats.org/drawingml/2006/main" xmlns:r="http://schemas.openxmlformats.org/officeDocument/2006/relationships" xmlns:p="http://schemas.openxmlformats.org/presentationml/2006/main">
+  <p:cSld>
+    <p:spTree>
+      <p:nvGrpSpPr>
+        <p:cNvPr id="1" name=""/>
+        <p:cNvGrpSpPr/>
+        <p:nvPr/>
+      </p:nvGrpSpPr>
+      <p:grpSpPr>
+        <a:xfrm>
+          <a:off x="0" y="0"/>
+          <a:ext cx="0" cy="0"/>
+          <a:chOff x="0" y="0"/>
+          <a:chExt cx="0" cy="0"/>
+        </a:xfrm>
+      </p:grpSpPr>
+      <p:sp>
+        <p:nvSpPr>
+          <p:cNvPr id="5" name="标题 4"/>
+          <p:cNvSpPr>
+            <a:spLocks noGrp="1"/>
+          </p:cNvSpPr>
+          <p:nvPr>
+            <p:ph type="title"/>
+          </p:nvPr>
+        </p:nvSpPr>
+        <p:spPr/>
+        <p:txBody>
+          <a:bodyPr>
+            <a:normAutofit/>
+          </a:bodyPr>
+          <a:lstStyle/>
+          <a:p>
+            <a:r>
+              <a:rPr lang="zh-CN" altLang="en-US" sz="2800" dirty="0" smtClean="0">
+                <a:latin typeface="幼圆" panose="02010509060101010101" pitchFamily="49" charset="-122"/>
+                <a:ea typeface="幼圆" panose="02010509060101010101" pitchFamily="49" charset="-122"/>
+              </a:rPr>
+              <a:t>将组内效应和组间效应构成一个用于检验的分布形式</a:t>
+            </a:r>
+            <a:endParaRPr lang="zh-CN" altLang="en-US" sz="2800" dirty="0">
+              <a:latin typeface="幼圆" panose="02010509060101010101" pitchFamily="49" charset="-122"/>
+              <a:ea typeface="幼圆" panose="02010509060101010101" pitchFamily="49" charset="-122"/>
+            </a:endParaRPr>
+          </a:p>
+        </p:txBody>
+      </p:sp>
+      <p:graphicFrame>
+        <p:nvGraphicFramePr>
+          <p:cNvPr id="6" name="对象 5"/>
+          <p:cNvGraphicFramePr>
+            <a:graphicFrameLocks noChangeAspect="1"/>
+          </p:cNvGraphicFramePr>
+          <p:nvPr>
+            <p:extLst>
+              <p:ext uri="{D42A27DB-BD31-4B8C-83A1-F6EECF244321}">
+                <p14:modId xmlns:p14="http://schemas.microsoft.com/office/powerpoint/2010/main" val="155918777"/>
+              </p:ext>
+            </p:extLst>
+          </p:nvPr>
+        </p:nvGraphicFramePr>
+        <p:xfrm>
+          <a:off x="1135780" y="3118510"/>
+          <a:ext cx="3363912" cy="582613"/>
+        </p:xfrm>
+        <a:graphic>
+          <a:graphicData uri="http://schemas.openxmlformats.org/presentationml/2006/ole">
+            <mc:AlternateContent xmlns:mc="http://schemas.openxmlformats.org/markup-compatibility/2006">
+              <mc:Choice xmlns:v="urn:schemas-microsoft-com:vml" Requires="v">
+                <p:oleObj spid="_x0000_s15370" name="Equation" r:id="rId3" imgW="1396800" imgH="241200" progId="Equation.DSMT4">
+                  <p:embed/>
+                </p:oleObj>
+              </mc:Choice>
+              <mc:Fallback>
+                <p:oleObj name="Equation" r:id="rId3" imgW="1396800" imgH="241200" progId="Equation.DSMT4">
+                  <p:embed/>
+                  <p:pic>
+                    <p:nvPicPr>
+                      <p:cNvPr id="7" name="对象 6"/>
+                      <p:cNvPicPr/>
+                      <p:nvPr/>
+                    </p:nvPicPr>
+                    <p:blipFill>
+                      <a:blip r:embed="rId4"/>
+                      <a:stretch>
+                        <a:fillRect/>
+                      </a:stretch>
+                    </p:blipFill>
+                    <p:spPr>
+                      <a:xfrm>
+                        <a:off x="1135780" y="3118510"/>
+                        <a:ext cx="3363912" cy="582613"/>
+                      </a:xfrm>
+                      <a:prstGeom prst="rect">
+                        <a:avLst/>
+                      </a:prstGeom>
+                    </p:spPr>
+                  </p:pic>
+                </p:oleObj>
+              </mc:Fallback>
+            </mc:AlternateContent>
+          </a:graphicData>
+        </a:graphic>
+      </p:graphicFrame>
+      <p:graphicFrame>
+        <p:nvGraphicFramePr>
+          <p:cNvPr id="7" name="对象 6"/>
+          <p:cNvGraphicFramePr>
+            <a:graphicFrameLocks noChangeAspect="1"/>
+          </p:cNvGraphicFramePr>
+          <p:nvPr>
+            <p:extLst>
+              <p:ext uri="{D42A27DB-BD31-4B8C-83A1-F6EECF244321}">
+                <p14:modId xmlns:p14="http://schemas.microsoft.com/office/powerpoint/2010/main" val="3369389741"/>
+              </p:ext>
+            </p:extLst>
+          </p:nvPr>
+        </p:nvGraphicFramePr>
+        <p:xfrm>
+          <a:off x="2468879" y="1857598"/>
+          <a:ext cx="1498600" cy="1039812"/>
+        </p:xfrm>
+        <a:graphic>
+          <a:graphicData uri="http://schemas.openxmlformats.org/presentationml/2006/ole">
+            <mc:AlternateContent xmlns:mc="http://schemas.openxmlformats.org/markup-compatibility/2006">
+              <mc:Choice xmlns:v="urn:schemas-microsoft-com:vml" Requires="v">
+                <p:oleObj spid="_x0000_s15371" name="Equation" r:id="rId5" imgW="622080" imgH="431640" progId="Equation.DSMT4">
+                  <p:embed/>
+                </p:oleObj>
+              </mc:Choice>
+              <mc:Fallback>
+                <p:oleObj name="Equation" r:id="rId5" imgW="622080" imgH="431640" progId="Equation.DSMT4">
+                  <p:embed/>
+                  <p:pic>
+                    <p:nvPicPr>
+                      <p:cNvPr id="13" name="对象 12"/>
+                      <p:cNvPicPr/>
+                      <p:nvPr/>
+                    </p:nvPicPr>
+                    <p:blipFill>
+                      <a:blip r:embed="rId6"/>
+                      <a:stretch>
+                        <a:fillRect/>
+                      </a:stretch>
+                    </p:blipFill>
+                    <p:spPr>
+                      <a:xfrm>
+                        <a:off x="2468879" y="1857598"/>
+                        <a:ext cx="1498600" cy="1039812"/>
+                      </a:xfrm>
+                      <a:prstGeom prst="rect">
+                        <a:avLst/>
+                      </a:prstGeom>
+                    </p:spPr>
+                  </p:pic>
+                </p:oleObj>
+              </mc:Fallback>
+            </mc:AlternateContent>
+          </a:graphicData>
+        </a:graphic>
+      </p:graphicFrame>
+      <p:graphicFrame>
+        <p:nvGraphicFramePr>
+          <p:cNvPr id="8" name="对象 7"/>
+          <p:cNvGraphicFramePr>
+            <a:graphicFrameLocks noChangeAspect="1"/>
+          </p:cNvGraphicFramePr>
+          <p:nvPr>
+            <p:extLst>
+              <p:ext uri="{D42A27DB-BD31-4B8C-83A1-F6EECF244321}">
+                <p14:modId xmlns:p14="http://schemas.microsoft.com/office/powerpoint/2010/main" val="2496242715"/>
+              </p:ext>
+            </p:extLst>
+          </p:nvPr>
+        </p:nvGraphicFramePr>
+        <p:xfrm>
+          <a:off x="5543716" y="1805811"/>
+          <a:ext cx="1500188" cy="1039813"/>
+        </p:xfrm>
+        <a:graphic>
+          <a:graphicData uri="http://schemas.openxmlformats.org/presentationml/2006/ole">
+            <mc:AlternateContent xmlns:mc="http://schemas.openxmlformats.org/markup-compatibility/2006">
+              <mc:Choice xmlns:v="urn:schemas-microsoft-com:vml" Requires="v">
+                <p:oleObj spid="_x0000_s15372" name="Equation" r:id="rId7" imgW="622080" imgH="431640" progId="Equation.DSMT4">
+                  <p:embed/>
+                </p:oleObj>
+              </mc:Choice>
+              <mc:Fallback>
+                <p:oleObj name="Equation" r:id="rId7" imgW="622080" imgH="431640" progId="Equation.DSMT4">
+                  <p:embed/>
+                  <p:pic>
+                    <p:nvPicPr>
+                      <p:cNvPr id="14" name="对象 13"/>
+                      <p:cNvPicPr/>
+                      <p:nvPr/>
+                    </p:nvPicPr>
+                    <p:blipFill>
+                      <a:blip r:embed="rId8"/>
+                      <a:stretch>
+                        <a:fillRect/>
+                      </a:stretch>
+                    </p:blipFill>
+                    <p:spPr>
+                      <a:xfrm>
+                        <a:off x="5543716" y="1805811"/>
+                        <a:ext cx="1500188" cy="1039813"/>
+                      </a:xfrm>
+                      <a:prstGeom prst="rect">
+                        <a:avLst/>
+                      </a:prstGeom>
+                    </p:spPr>
+                  </p:pic>
+                </p:oleObj>
+              </mc:Fallback>
+            </mc:AlternateContent>
+          </a:graphicData>
+        </a:graphic>
+      </p:graphicFrame>
+      <p:sp>
+        <p:nvSpPr>
+          <p:cNvPr id="10" name="文本框 9"/>
+          <p:cNvSpPr txBox="1"/>
+          <p:nvPr/>
+        </p:nvSpPr>
+        <p:spPr>
+          <a:xfrm>
+            <a:off x="1101609" y="2086629"/>
+            <a:ext cx="1107996" cy="461665"/>
+          </a:xfrm>
+          <a:prstGeom prst="rect">
+            <a:avLst/>
+          </a:prstGeom>
+          <a:noFill/>
+        </p:spPr>
+        <p:txBody>
+          <a:bodyPr wrap="none" rtlCol="0">
+            <a:spAutoFit/>
+          </a:bodyPr>
+          <a:lstStyle/>
+          <a:p>
+            <a:r>
+              <a:rPr lang="zh-CN" altLang="en-US" sz="2400" b="1" dirty="0" smtClean="0"/>
+              <a:t>均方：</a:t>
+            </a:r>
+            <a:endParaRPr lang="zh-CN" altLang="en-US" sz="2400" b="1" dirty="0"/>
+          </a:p>
+        </p:txBody>
+      </p:sp>
+      <p:graphicFrame>
+        <p:nvGraphicFramePr>
+          <p:cNvPr id="11" name="对象 10"/>
+          <p:cNvGraphicFramePr>
+            <a:graphicFrameLocks noChangeAspect="1"/>
+          </p:cNvGraphicFramePr>
+          <p:nvPr>
+            <p:extLst>
+              <p:ext uri="{D42A27DB-BD31-4B8C-83A1-F6EECF244321}">
+                <p14:modId xmlns:p14="http://schemas.microsoft.com/office/powerpoint/2010/main" val="3322625839"/>
+              </p:ext>
+            </p:extLst>
+          </p:nvPr>
+        </p:nvGraphicFramePr>
+        <p:xfrm>
+          <a:off x="1376363" y="4073525"/>
+          <a:ext cx="2792412" cy="881063"/>
+        </p:xfrm>
+        <a:graphic>
+          <a:graphicData uri="http://schemas.openxmlformats.org/presentationml/2006/ole">
+            <mc:AlternateContent xmlns:mc="http://schemas.openxmlformats.org/markup-compatibility/2006">
+              <mc:Choice xmlns:v="urn:schemas-microsoft-com:vml" Requires="v">
+                <p:oleObj spid="_x0000_s15373" name="Equation" r:id="rId9" imgW="1447560" imgH="457200" progId="Equation.DSMT4">
+                  <p:embed/>
+                </p:oleObj>
+              </mc:Choice>
+              <mc:Fallback>
+                <p:oleObj name="Equation" r:id="rId9" imgW="1447560" imgH="457200" progId="Equation.DSMT4">
+                  <p:embed/>
+                  <p:pic>
+                    <p:nvPicPr>
+                      <p:cNvPr id="5" name="对象 4"/>
+                      <p:cNvPicPr/>
+                      <p:nvPr/>
+                    </p:nvPicPr>
+                    <p:blipFill>
+                      <a:blip r:embed="rId10"/>
+                      <a:stretch>
+                        <a:fillRect/>
+                      </a:stretch>
+                    </p:blipFill>
+                    <p:spPr>
+                      <a:xfrm>
+                        <a:off x="1376363" y="4073525"/>
+                        <a:ext cx="2792412" cy="881063"/>
+                      </a:xfrm>
+                      <a:prstGeom prst="rect">
+                        <a:avLst/>
+                      </a:prstGeom>
+                    </p:spPr>
+                  </p:pic>
+                </p:oleObj>
+              </mc:Fallback>
+            </mc:AlternateContent>
+          </a:graphicData>
+        </a:graphic>
+      </p:graphicFrame>
+      <p:sp>
+        <p:nvSpPr>
+          <p:cNvPr id="12" name="矩形 11"/>
+          <p:cNvSpPr/>
+          <p:nvPr/>
+        </p:nvSpPr>
+        <p:spPr>
+          <a:xfrm>
+            <a:off x="1097279" y="5082273"/>
+            <a:ext cx="7794057" cy="707886"/>
+          </a:xfrm>
+          <a:prstGeom prst="rect">
+            <a:avLst/>
+          </a:prstGeom>
+        </p:spPr>
+        <p:txBody>
+          <a:bodyPr wrap="square">
+            <a:spAutoFit/>
+          </a:bodyPr>
+          <a:lstStyle/>
+          <a:p>
+            <a:r>
+              <a:rPr lang="zh-CN" altLang="en-US" sz="2000" dirty="0">
+                <a:latin typeface="幼圆" panose="02010509060101010101" pitchFamily="49" charset="-122"/>
+                <a:ea typeface="幼圆" panose="02010509060101010101" pitchFamily="49" charset="-122"/>
+              </a:rPr>
+              <a:t>直观解释</a:t>
+            </a:r>
+            <a:r>
+              <a:rPr lang="en-US" altLang="zh-CN" sz="2000" dirty="0">
+                <a:latin typeface="幼圆" panose="02010509060101010101" pitchFamily="49" charset="-122"/>
+                <a:ea typeface="幼圆" panose="02010509060101010101" pitchFamily="49" charset="-122"/>
+              </a:rPr>
+              <a:t>F</a:t>
+            </a:r>
+            <a:r>
+              <a:rPr lang="zh-CN" altLang="en-US" sz="2000" dirty="0">
+                <a:latin typeface="幼圆" panose="02010509060101010101" pitchFamily="49" charset="-122"/>
+                <a:ea typeface="幼圆" panose="02010509060101010101" pitchFamily="49" charset="-122"/>
+              </a:rPr>
+              <a:t>分布的含义：组间差异性与组内差异性显著性不同吗？统计量</a:t>
+            </a:r>
+            <a:r>
+              <a:rPr lang="en-US" altLang="zh-CN" sz="2000" dirty="0">
+                <a:latin typeface="幼圆" panose="02010509060101010101" pitchFamily="49" charset="-122"/>
+                <a:ea typeface="幼圆" panose="02010509060101010101" pitchFamily="49" charset="-122"/>
+              </a:rPr>
+              <a:t>F</a:t>
+            </a:r>
+            <a:r>
+              <a:rPr lang="zh-CN" altLang="en-US" sz="2000" dirty="0">
+                <a:latin typeface="幼圆" panose="02010509060101010101" pitchFamily="49" charset="-122"/>
+                <a:ea typeface="幼圆" panose="02010509060101010101" pitchFamily="49" charset="-122"/>
+              </a:rPr>
+              <a:t>发生了小概率事件，落在了不超过</a:t>
+            </a:r>
+            <a:r>
+              <a:rPr lang="en-US" altLang="zh-CN" sz="2000" dirty="0" err="1">
+                <a:latin typeface="幼圆" panose="02010509060101010101" pitchFamily="49" charset="-122"/>
+                <a:ea typeface="幼圆" panose="02010509060101010101" pitchFamily="49" charset="-122"/>
+              </a:rPr>
+              <a:t>alphar</a:t>
+            </a:r>
+            <a:r>
+              <a:rPr lang="zh-CN" altLang="en-US" sz="2000" dirty="0">
+                <a:latin typeface="幼圆" panose="02010509060101010101" pitchFamily="49" charset="-122"/>
+                <a:ea typeface="幼圆" panose="02010509060101010101" pitchFamily="49" charset="-122"/>
+              </a:rPr>
+              <a:t>的范围内。</a:t>
+            </a:r>
+            <a:endParaRPr lang="en-US" altLang="zh-CN" sz="2000" dirty="0">
+              <a:latin typeface="幼圆" panose="02010509060101010101" pitchFamily="49" charset="-122"/>
+              <a:ea typeface="幼圆" panose="02010509060101010101" pitchFamily="49" charset="-122"/>
+            </a:endParaRPr>
+          </a:p>
+        </p:txBody>
+      </p:sp>
+    </p:spTree>
+    <p:extLst>
+      <p:ext uri="{BB962C8B-B14F-4D97-AF65-F5344CB8AC3E}">
+        <p14:creationId xmlns:p14="http://schemas.microsoft.com/office/powerpoint/2010/main" val="2980062447"/>
+      </p:ext>
+    </p:extLst>
+  </p:cSld>
+  <p:clrMapOvr>
+    <a:masterClrMapping/>
+  </p:clrMapOvr>
+  <p:timing>
+    <p:tnLst>
+      <p:par>
+        <p:cTn id="1" dur="indefinite" restart="never" nodeType="tmRoot">
+          <p:childTnLst>
+            <p:seq concurrent="1" nextAc="seek">
+              <p:cTn id="2" dur="indefinite" nodeType="mainSeq">
+                <p:childTnLst>
                   <p:par>
-                    <p:cTn id="21" fill="hold">
+                    <p:cTn id="3" fill="hold">
                       <p:stCondLst>
                         <p:cond delay="indefinite"/>
                       </p:stCondLst>
                       <p:childTnLst>
                         <p:par>
-                          <p:cTn id="22" fill="hold">
+                          <p:cTn id="4" fill="hold">
                             <p:stCondLst>
                               <p:cond delay="0"/>
                             </p:stCondLst>
                             <p:childTnLst>
                               <p:par>
-                                <p:cTn id="23" presetID="10" presetClass="entr" presetSubtype="0" fill="hold" nodeType="clickEffect">
+                                <p:cTn id="5" presetID="10" presetClass="entr" presetSubtype="0" fill="hold" nodeType="clickEffect">
                                   <p:stCondLst>
                                     <p:cond delay="0"/>
                                   </p:stCondLst>
                                   <p:childTnLst>
                                     <p:set>
                                       <p:cBhvr>
-                                        <p:cTn id="24" dur="1" fill="hold">
+                                        <p:cTn id="6" dur="1" fill="hold">
                                           <p:stCondLst>
                                             <p:cond delay="0"/>
                                           </p:stCondLst>
                                         </p:cTn>
                                         <p:tgtEl>
-                                          <p:spTgt spid="13"/>
+                                          <p:spTgt spid="7"/>
                                         </p:tgtEl>
                                         <p:attrNameLst>
                                           <p:attrName>style.visibility</p:attrName>
@@ -21213,9 +21904,9 @@
                                     </p:set>
                                     <p:animEffect transition="in" filter="fade">
                                       <p:cBhvr>
-                                        <p:cTn id="25" dur="500"/>
+                                        <p:cTn id="7" dur="500"/>
                                         <p:tgtEl>
-                                          <p:spTgt spid="13"/>
+                                          <p:spTgt spid="7"/>
                                         </p:tgtEl>
                                       </p:cBhvr>
                                     </p:animEffect>
@@ -21229,32 +21920,32 @@
                     </p:cTn>
                   </p:par>
                   <p:par>
-                    <p:cTn id="26" fill="hold">
+                    <p:cTn id="8" fill="hold">
                       <p:stCondLst>
                         <p:cond delay="indefinite"/>
                       </p:stCondLst>
                       <p:childTnLst>
                         <p:par>
-                          <p:cTn id="27" fill="hold">
+                          <p:cTn id="9" fill="hold">
                             <p:stCondLst>
                               <p:cond delay="0"/>
                             </p:stCondLst>
                             <p:childTnLst>
                               <p:par>
-                                <p:cTn id="28" presetID="10" presetClass="entr" presetSubtype="0" fill="hold" nodeType="clickEffect">
+                                <p:cTn id="10" presetID="10" presetClass="entr" presetSubtype="0" fill="hold" nodeType="clickEffect">
                                   <p:stCondLst>
                                     <p:cond delay="0"/>
                                   </p:stCondLst>
                                   <p:childTnLst>
                                     <p:set>
                                       <p:cBhvr>
-                                        <p:cTn id="29" dur="1" fill="hold">
+                                        <p:cTn id="11" dur="1" fill="hold">
                                           <p:stCondLst>
                                             <p:cond delay="0"/>
                                           </p:stCondLst>
                                         </p:cTn>
                                         <p:tgtEl>
-                                          <p:spTgt spid="14"/>
+                                          <p:spTgt spid="8"/>
                                         </p:tgtEl>
                                         <p:attrNameLst>
                                           <p:attrName>style.visibility</p:attrName>
@@ -21266,9 +21957,9 @@
                                     </p:set>
                                     <p:animEffect transition="in" filter="fade">
                                       <p:cBhvr>
-                                        <p:cTn id="30" dur="500"/>
+                                        <p:cTn id="12" dur="500"/>
                                         <p:tgtEl>
-                                          <p:spTgt spid="14"/>
+                                          <p:spTgt spid="8"/>
                                         </p:tgtEl>
                                       </p:cBhvr>
                                     </p:animEffect>
@@ -21302,15 +21993,97 @@
         </p:cTn>
       </p:par>
     </p:tnLst>
-    <p:bldLst>
-      <p:bldP spid="10" grpId="0" animBg="1"/>
-      <p:bldP spid="11" grpId="0" animBg="1"/>
-    </p:bldLst>
   </p:timing>
 </p:sld>
 </file>
 
-<file path=ppt/slides/slide18.xml><?xml version="1.0" encoding="utf-8"?>
+<file path=ppt/slides/slide2.xml><?xml version="1.0" encoding="utf-8"?>
+<p:sld xmlns:a="http://schemas.openxmlformats.org/drawingml/2006/main" xmlns:r="http://schemas.openxmlformats.org/officeDocument/2006/relationships" xmlns:p="http://schemas.openxmlformats.org/presentationml/2006/main">
+  <p:cSld>
+    <p:spTree>
+      <p:nvGrpSpPr>
+        <p:cNvPr id="1" name=""/>
+        <p:cNvGrpSpPr/>
+        <p:nvPr/>
+      </p:nvGrpSpPr>
+      <p:grpSpPr>
+        <a:xfrm>
+          <a:off x="0" y="0"/>
+          <a:ext cx="0" cy="0"/>
+          <a:chOff x="0" y="0"/>
+          <a:chExt cx="0" cy="0"/>
+        </a:xfrm>
+      </p:grpSpPr>
+      <p:sp>
+        <p:nvSpPr>
+          <p:cNvPr id="2" name="标题 1"/>
+          <p:cNvSpPr>
+            <a:spLocks noGrp="1"/>
+          </p:cNvSpPr>
+          <p:nvPr>
+            <p:ph type="title"/>
+          </p:nvPr>
+        </p:nvSpPr>
+        <p:spPr/>
+        <p:txBody>
+          <a:bodyPr/>
+          <a:lstStyle/>
+          <a:p>
+            <a:pPr algn="ctr"/>
+            <a:r>
+              <a:rPr lang="zh-CN" altLang="en-US" dirty="0" smtClean="0"/>
+              <a:t>第四节 非参数检验</a:t>
+            </a:r>
+            <a:endParaRPr lang="zh-CN" altLang="en-US" dirty="0"/>
+          </a:p>
+        </p:txBody>
+      </p:sp>
+      <p:graphicFrame>
+        <p:nvGraphicFramePr>
+          <p:cNvPr id="4" name="内容占位符 3"/>
+          <p:cNvGraphicFramePr>
+            <a:graphicFrameLocks noGrp="1"/>
+          </p:cNvGraphicFramePr>
+          <p:nvPr>
+            <p:ph idx="1"/>
+            <p:extLst>
+              <p:ext uri="{D42A27DB-BD31-4B8C-83A1-F6EECF244321}">
+                <p14:modId xmlns:p14="http://schemas.microsoft.com/office/powerpoint/2010/main" val="3614468164"/>
+              </p:ext>
+            </p:extLst>
+          </p:nvPr>
+        </p:nvGraphicFramePr>
+        <p:xfrm>
+          <a:off x="1960974" y="2276422"/>
+          <a:ext cx="8061332" cy="1982758"/>
+        </p:xfrm>
+        <a:graphic>
+          <a:graphicData uri="http://schemas.openxmlformats.org/drawingml/2006/diagram">
+            <dgm:relIds xmlns:dgm="http://schemas.openxmlformats.org/drawingml/2006/diagram" xmlns:r="http://schemas.openxmlformats.org/officeDocument/2006/relationships" r:dm="rId2" r:lo="rId3" r:qs="rId4" r:cs="rId5"/>
+          </a:graphicData>
+        </a:graphic>
+      </p:graphicFrame>
+    </p:spTree>
+    <p:extLst>
+      <p:ext uri="{BB962C8B-B14F-4D97-AF65-F5344CB8AC3E}">
+        <p14:creationId xmlns:p14="http://schemas.microsoft.com/office/powerpoint/2010/main" val="1575518525"/>
+      </p:ext>
+    </p:extLst>
+  </p:cSld>
+  <p:clrMapOvr>
+    <a:masterClrMapping/>
+  </p:clrMapOvr>
+  <p:timing>
+    <p:tnLst>
+      <p:par>
+        <p:cTn id="1" dur="indefinite" restart="never" nodeType="tmRoot"/>
+      </p:par>
+    </p:tnLst>
+  </p:timing>
+</p:sld>
+</file>
+
+<file path=ppt/slides/slide20.xml><?xml version="1.0" encoding="utf-8"?>
 <p:sld xmlns:a="http://schemas.openxmlformats.org/drawingml/2006/main" xmlns:r="http://schemas.openxmlformats.org/officeDocument/2006/relationships" xmlns:p="http://schemas.openxmlformats.org/presentationml/2006/main">
   <p:cSld>
     <p:spTree>
@@ -21363,7 +22136,7 @@
           <a:p>
             <a:r>
               <a:rPr lang="zh-CN" altLang="en-US" dirty="0" smtClean="0"/>
-              <a:t>构成</a:t>
+              <a:t>根据</a:t>
             </a:r>
             <a:r>
               <a:rPr lang="en-US" altLang="zh-CN" dirty="0" smtClean="0"/>
@@ -21371,20 +22144,7 @@
             </a:r>
             <a:r>
               <a:rPr lang="zh-CN" altLang="en-US" dirty="0" smtClean="0"/>
-              <a:t>分布</a:t>
-            </a:r>
-            <a:endParaRPr lang="en-US" altLang="zh-CN" dirty="0" smtClean="0"/>
-          </a:p>
-          <a:p>
-            <a:endParaRPr lang="en-US" altLang="zh-CN" dirty="0"/>
-          </a:p>
-          <a:p>
-            <a:endParaRPr lang="en-US" altLang="zh-CN" dirty="0" smtClean="0"/>
-          </a:p>
-          <a:p>
-            <a:r>
-              <a:rPr lang="zh-CN" altLang="en-US" dirty="0" smtClean="0"/>
-              <a:t>直观解释</a:t>
+              <a:t>分布的检验结果，我们可以判断组间效应是否起到了明显的作用，即</a:t>
             </a:r>
             <a:r>
               <a:rPr lang="en-US" altLang="zh-CN" dirty="0" smtClean="0"/>
@@ -21392,59 +22152,60 @@
             </a:r>
             <a:r>
               <a:rPr lang="zh-CN" altLang="en-US" dirty="0" smtClean="0"/>
-              <a:t>分布的含义：组间差异性与组内差异性显著性不同吗？统计量</a:t>
+              <a:t>分布统计量落到了</a:t>
             </a:r>
             <a:r>
               <a:rPr lang="en-US" altLang="zh-CN" dirty="0" smtClean="0"/>
-              <a:t>F</a:t>
+              <a:t>5%</a:t>
             </a:r>
             <a:r>
               <a:rPr lang="zh-CN" altLang="en-US" dirty="0" smtClean="0"/>
-              <a:t>发生了小概率事件，落在了不超过</a:t>
+              <a:t>可能性区间以外。则接受</a:t>
             </a:r>
             <a:r>
-              <a:rPr lang="en-US" altLang="zh-CN" dirty="0" err="1" smtClean="0"/>
-              <a:t>alphar</a:t>
+              <a:rPr lang="en-US" altLang="zh-CN" dirty="0" smtClean="0"/>
+              <a:t>H</a:t>
+            </a:r>
+            <a:r>
+              <a:rPr lang="en-US" altLang="zh-CN" baseline="-25000" dirty="0" smtClean="0"/>
+              <a:t>1</a:t>
             </a:r>
             <a:r>
               <a:rPr lang="zh-CN" altLang="en-US" dirty="0" smtClean="0"/>
-              <a:t>的范围内。</a:t>
+              <a:t>假设</a:t>
             </a:r>
-            <a:endParaRPr lang="en-US" altLang="zh-CN" dirty="0" smtClean="0"/>
-          </a:p>
-          <a:p>
             <a:endParaRPr lang="zh-CN" altLang="en-US" dirty="0"/>
           </a:p>
         </p:txBody>
       </p:sp>
       <p:graphicFrame>
         <p:nvGraphicFramePr>
-          <p:cNvPr id="5" name="对象 4"/>
+          <p:cNvPr id="6" name="对象 5"/>
           <p:cNvGraphicFramePr>
             <a:graphicFrameLocks noChangeAspect="1"/>
           </p:cNvGraphicFramePr>
           <p:nvPr>
             <p:extLst>
               <p:ext uri="{D42A27DB-BD31-4B8C-83A1-F6EECF244321}">
-                <p14:modId xmlns:p14="http://schemas.microsoft.com/office/powerpoint/2010/main" val="1035778027"/>
+                <p14:modId xmlns:p14="http://schemas.microsoft.com/office/powerpoint/2010/main" val="910796922"/>
               </p:ext>
             </p:extLst>
           </p:nvPr>
         </p:nvGraphicFramePr>
         <p:xfrm>
-          <a:off x="1362075" y="2325688"/>
-          <a:ext cx="2841625" cy="881062"/>
+          <a:off x="1097280" y="2846761"/>
+          <a:ext cx="6181235" cy="785575"/>
         </p:xfrm>
         <a:graphic>
           <a:graphicData uri="http://schemas.openxmlformats.org/presentationml/2006/ole">
             <mc:AlternateContent xmlns:mc="http://schemas.openxmlformats.org/markup-compatibility/2006">
               <mc:Choice xmlns:v="urn:schemas-microsoft-com:vml" Requires="v">
-                <p:oleObj spid="_x0000_s12310" name="Equation" r:id="rId3" imgW="1473120" imgH="457200" progId="Equation.DSMT4">
+                <p:oleObj spid="_x0000_s12316" name="Equation" r:id="rId3" imgW="3797280" imgH="482400" progId="Equation.DSMT4">
                   <p:embed/>
                 </p:oleObj>
               </mc:Choice>
               <mc:Fallback>
-                <p:oleObj name="Equation" r:id="rId3" imgW="1473120" imgH="457200" progId="Equation.DSMT4">
+                <p:oleObj name="Equation" r:id="rId3" imgW="3797280" imgH="482400" progId="Equation.DSMT4">
                   <p:embed/>
                   <p:pic>
                     <p:nvPicPr>
@@ -21460,64 +22221,7 @@
                     </p:blipFill>
                     <p:spPr>
                       <a:xfrm>
-                        <a:off x="1362075" y="2325688"/>
-                        <a:ext cx="2841625" cy="881062"/>
-                      </a:xfrm>
-                      <a:prstGeom prst="rect">
-                        <a:avLst/>
-                      </a:prstGeom>
-                    </p:spPr>
-                  </p:pic>
-                </p:oleObj>
-              </mc:Fallback>
-            </mc:AlternateContent>
-          </a:graphicData>
-        </a:graphic>
-      </p:graphicFrame>
-      <p:graphicFrame>
-        <p:nvGraphicFramePr>
-          <p:cNvPr id="6" name="对象 5"/>
-          <p:cNvGraphicFramePr>
-            <a:graphicFrameLocks noChangeAspect="1"/>
-          </p:cNvGraphicFramePr>
-          <p:nvPr>
-            <p:extLst>
-              <p:ext uri="{D42A27DB-BD31-4B8C-83A1-F6EECF244321}">
-                <p14:modId xmlns:p14="http://schemas.microsoft.com/office/powerpoint/2010/main" val="3736402192"/>
-              </p:ext>
-            </p:extLst>
-          </p:nvPr>
-        </p:nvGraphicFramePr>
-        <p:xfrm>
-          <a:off x="1362075" y="4771814"/>
-          <a:ext cx="6181235" cy="785575"/>
-        </p:xfrm>
-        <a:graphic>
-          <a:graphicData uri="http://schemas.openxmlformats.org/presentationml/2006/ole">
-            <mc:AlternateContent xmlns:mc="http://schemas.openxmlformats.org/markup-compatibility/2006">
-              <mc:Choice xmlns:v="urn:schemas-microsoft-com:vml" Requires="v">
-                <p:oleObj spid="_x0000_s12311" name="Equation" r:id="rId5" imgW="3797280" imgH="482400" progId="Equation.DSMT4">
-                  <p:embed/>
-                </p:oleObj>
-              </mc:Choice>
-              <mc:Fallback>
-                <p:oleObj name="Equation" r:id="rId5" imgW="3797280" imgH="482400" progId="Equation.DSMT4">
-                  <p:embed/>
-                  <p:pic>
-                    <p:nvPicPr>
-                      <p:cNvPr id="0" name=""/>
-                      <p:cNvPicPr/>
-                      <p:nvPr/>
-                    </p:nvPicPr>
-                    <p:blipFill>
-                      <a:blip r:embed="rId6"/>
-                      <a:stretch>
-                        <a:fillRect/>
-                      </a:stretch>
-                    </p:blipFill>
-                    <p:spPr>
-                      <a:xfrm>
-                        <a:off x="1362075" y="4771814"/>
+                        <a:off x="1097280" y="2846761"/>
                         <a:ext cx="6181235" cy="785575"/>
                       </a:xfrm>
                       <a:prstGeom prst="rect">
@@ -21551,7 +22255,7 @@
 </p:sld>
 </file>
 
-<file path=ppt/slides/slide19.xml><?xml version="1.0" encoding="utf-8"?>
+<file path=ppt/slides/slide21.xml><?xml version="1.0" encoding="utf-8"?>
 <p:sld xmlns:a="http://schemas.openxmlformats.org/drawingml/2006/main" xmlns:r="http://schemas.openxmlformats.org/officeDocument/2006/relationships" xmlns:p="http://schemas.openxmlformats.org/presentationml/2006/main">
   <p:cSld>
     <p:spTree>
@@ -21851,7 +22555,7 @@
           <a:graphicData uri="http://schemas.openxmlformats.org/presentationml/2006/ole">
             <mc:AlternateContent xmlns:mc="http://schemas.openxmlformats.org/markup-compatibility/2006">
               <mc:Choice xmlns:v="urn:schemas-microsoft-com:vml" Requires="v">
-                <p:oleObj spid="_x0000_s13323" name="Equation" r:id="rId4" imgW="634680" imgH="203040" progId="Equation.DSMT4">
+                <p:oleObj spid="_x0000_s13326" name="Equation" r:id="rId4" imgW="634680" imgH="203040" progId="Equation.DSMT4">
                   <p:embed/>
                 </p:oleObj>
               </mc:Choice>
@@ -22535,93 +23239,7 @@
 </p:sld>
 </file>
 
-<file path=ppt/slides/slide2.xml><?xml version="1.0" encoding="utf-8"?>
-<p:sld xmlns:a="http://schemas.openxmlformats.org/drawingml/2006/main" xmlns:r="http://schemas.openxmlformats.org/officeDocument/2006/relationships" xmlns:p="http://schemas.openxmlformats.org/presentationml/2006/main">
-  <p:cSld>
-    <p:spTree>
-      <p:nvGrpSpPr>
-        <p:cNvPr id="1" name=""/>
-        <p:cNvGrpSpPr/>
-        <p:nvPr/>
-      </p:nvGrpSpPr>
-      <p:grpSpPr>
-        <a:xfrm>
-          <a:off x="0" y="0"/>
-          <a:ext cx="0" cy="0"/>
-          <a:chOff x="0" y="0"/>
-          <a:chExt cx="0" cy="0"/>
-        </a:xfrm>
-      </p:grpSpPr>
-      <p:sp>
-        <p:nvSpPr>
-          <p:cNvPr id="2" name="标题 1"/>
-          <p:cNvSpPr>
-            <a:spLocks noGrp="1"/>
-          </p:cNvSpPr>
-          <p:nvPr>
-            <p:ph type="title"/>
-          </p:nvPr>
-        </p:nvSpPr>
-        <p:spPr/>
-        <p:txBody>
-          <a:bodyPr/>
-          <a:lstStyle/>
-          <a:p>
-            <a:pPr algn="ctr"/>
-            <a:r>
-              <a:rPr lang="zh-CN" altLang="en-US" dirty="0" smtClean="0"/>
-              <a:t>第四节 非参数检验</a:t>
-            </a:r>
-            <a:endParaRPr lang="zh-CN" altLang="en-US" dirty="0"/>
-          </a:p>
-        </p:txBody>
-      </p:sp>
-      <p:graphicFrame>
-        <p:nvGraphicFramePr>
-          <p:cNvPr id="4" name="内容占位符 3"/>
-          <p:cNvGraphicFramePr>
-            <a:graphicFrameLocks noGrp="1"/>
-          </p:cNvGraphicFramePr>
-          <p:nvPr>
-            <p:ph idx="1"/>
-            <p:extLst>
-              <p:ext uri="{D42A27DB-BD31-4B8C-83A1-F6EECF244321}">
-                <p14:modId xmlns:p14="http://schemas.microsoft.com/office/powerpoint/2010/main" val="3614468164"/>
-              </p:ext>
-            </p:extLst>
-          </p:nvPr>
-        </p:nvGraphicFramePr>
-        <p:xfrm>
-          <a:off x="1960974" y="2276422"/>
-          <a:ext cx="8061332" cy="1982758"/>
-        </p:xfrm>
-        <a:graphic>
-          <a:graphicData uri="http://schemas.openxmlformats.org/drawingml/2006/diagram">
-            <dgm:relIds xmlns:dgm="http://schemas.openxmlformats.org/drawingml/2006/diagram" xmlns:r="http://schemas.openxmlformats.org/officeDocument/2006/relationships" r:dm="rId2" r:lo="rId3" r:qs="rId4" r:cs="rId5"/>
-          </a:graphicData>
-        </a:graphic>
-      </p:graphicFrame>
-    </p:spTree>
-    <p:extLst>
-      <p:ext uri="{BB962C8B-B14F-4D97-AF65-F5344CB8AC3E}">
-        <p14:creationId xmlns:p14="http://schemas.microsoft.com/office/powerpoint/2010/main" val="1575518525"/>
-      </p:ext>
-    </p:extLst>
-  </p:cSld>
-  <p:clrMapOvr>
-    <a:masterClrMapping/>
-  </p:clrMapOvr>
-  <p:timing>
-    <p:tnLst>
-      <p:par>
-        <p:cTn id="1" dur="indefinite" restart="never" nodeType="tmRoot"/>
-      </p:par>
-    </p:tnLst>
-  </p:timing>
-</p:sld>
-</file>
-
-<file path=ppt/slides/slide20.xml><?xml version="1.0" encoding="utf-8"?>
+<file path=ppt/slides/slide22.xml><?xml version="1.0" encoding="utf-8"?>
 <p:sld xmlns:a="http://schemas.openxmlformats.org/drawingml/2006/main" xmlns:r="http://schemas.openxmlformats.org/officeDocument/2006/relationships" xmlns:p="http://schemas.openxmlformats.org/presentationml/2006/main">
   <p:cSld>
     <p:spTree>
@@ -22915,7 +23533,7 @@
 </p:sld>
 </file>
 
-<file path=ppt/slides/slide21.xml><?xml version="1.0" encoding="utf-8"?>
+<file path=ppt/slides/slide23.xml><?xml version="1.0" encoding="utf-8"?>
 <p:sld xmlns:a="http://schemas.openxmlformats.org/drawingml/2006/main" xmlns:r="http://schemas.openxmlformats.org/officeDocument/2006/relationships" xmlns:p="http://schemas.openxmlformats.org/presentationml/2006/main">
   <p:cSld>
     <p:spTree>
@@ -23363,7 +23981,7 @@
 </p:sld>
 </file>
 
-<file path=ppt/slides/slide22.xml><?xml version="1.0" encoding="utf-8"?>
+<file path=ppt/slides/slide24.xml><?xml version="1.0" encoding="utf-8"?>
 <p:sld xmlns:a="http://schemas.openxmlformats.org/drawingml/2006/main" xmlns:r="http://schemas.openxmlformats.org/officeDocument/2006/relationships" xmlns:p="http://schemas.openxmlformats.org/presentationml/2006/main">
   <p:cSld>
     <p:spTree>
@@ -23771,7 +24389,7 @@
 </p:sld>
 </file>
 
-<file path=ppt/slides/slide23.xml><?xml version="1.0" encoding="utf-8"?>
+<file path=ppt/slides/slide25.xml><?xml version="1.0" encoding="utf-8"?>
 <p:sld xmlns:a="http://schemas.openxmlformats.org/drawingml/2006/main" xmlns:r="http://schemas.openxmlformats.org/officeDocument/2006/relationships" xmlns:p="http://schemas.openxmlformats.org/presentationml/2006/main">
   <p:cSld>
     <p:spTree>
@@ -23877,7 +24495,7 @@
 </p:sld>
 </file>
 
-<file path=ppt/slides/slide24.xml><?xml version="1.0" encoding="utf-8"?>
+<file path=ppt/slides/slide26.xml><?xml version="1.0" encoding="utf-8"?>
 <p:sld xmlns:a="http://schemas.openxmlformats.org/drawingml/2006/main" xmlns:r="http://schemas.openxmlformats.org/officeDocument/2006/relationships" xmlns:p="http://schemas.openxmlformats.org/presentationml/2006/main">
   <p:cSld>
     <p:spTree>
@@ -24120,7 +24738,7 @@
 </p:sld>
 </file>
 
-<file path=ppt/slides/slide25.xml><?xml version="1.0" encoding="utf-8"?>
+<file path=ppt/slides/slide27.xml><?xml version="1.0" encoding="utf-8"?>
 <p:sld xmlns:a="http://schemas.openxmlformats.org/drawingml/2006/main" xmlns:r="http://schemas.openxmlformats.org/officeDocument/2006/relationships" xmlns:p="http://schemas.openxmlformats.org/presentationml/2006/main">
   <p:cSld>
     <p:spTree>
@@ -24283,7 +24901,7 @@
 </p:sld>
 </file>
 
-<file path=ppt/slides/slide26.xml><?xml version="1.0" encoding="utf-8"?>
+<file path=ppt/slides/slide28.xml><?xml version="1.0" encoding="utf-8"?>
 <p:sld xmlns:a="http://schemas.openxmlformats.org/drawingml/2006/main" xmlns:r="http://schemas.openxmlformats.org/officeDocument/2006/relationships" xmlns:p="http://schemas.openxmlformats.org/presentationml/2006/main">
   <p:cSld>
     <p:spTree>
@@ -26110,7 +26728,7 @@
           <a:graphicData uri="http://schemas.openxmlformats.org/presentationml/2006/ole">
             <mc:AlternateContent xmlns:mc="http://schemas.openxmlformats.org/markup-compatibility/2006">
               <mc:Choice xmlns:v="urn:schemas-microsoft-com:vml" Requires="v">
-                <p:oleObj spid="_x0000_s7213" name="Equation" r:id="rId7" imgW="1942920" imgH="482400" progId="Equation.DSMT4">
+                <p:oleObj spid="_x0000_s7216" name="Equation" r:id="rId7" imgW="1942920" imgH="482400" progId="Equation.DSMT4">
                   <p:embed/>
                 </p:oleObj>
               </mc:Choice>
@@ -27217,7 +27835,7 @@
           <a:graphicData uri="http://schemas.openxmlformats.org/presentationml/2006/ole">
             <mc:AlternateContent xmlns:mc="http://schemas.openxmlformats.org/markup-compatibility/2006">
               <mc:Choice xmlns:v="urn:schemas-microsoft-com:vml" Requires="v">
-                <p:oleObj spid="_x0000_s3289" name="Equation" r:id="rId3" imgW="1942920" imgH="482400" progId="Equation.DSMT4">
+                <p:oleObj spid="_x0000_s3301" name="Equation" r:id="rId3" imgW="1942920" imgH="482400" progId="Equation.DSMT4">
                   <p:embed/>
                 </p:oleObj>
               </mc:Choice>
@@ -27274,7 +27892,7 @@
           <a:graphicData uri="http://schemas.openxmlformats.org/presentationml/2006/ole">
             <mc:AlternateContent xmlns:mc="http://schemas.openxmlformats.org/markup-compatibility/2006">
               <mc:Choice xmlns:v="urn:schemas-microsoft-com:vml" Requires="v">
-                <p:oleObj spid="_x0000_s3290" name="Equation" r:id="rId5" imgW="850680" imgH="228600" progId="Equation.DSMT4">
+                <p:oleObj spid="_x0000_s3302" name="Equation" r:id="rId5" imgW="850680" imgH="228600" progId="Equation.DSMT4">
                   <p:embed/>
                 </p:oleObj>
               </mc:Choice>
@@ -27331,7 +27949,7 @@
           <a:graphicData uri="http://schemas.openxmlformats.org/presentationml/2006/ole">
             <mc:AlternateContent xmlns:mc="http://schemas.openxmlformats.org/markup-compatibility/2006">
               <mc:Choice xmlns:v="urn:schemas-microsoft-com:vml" Requires="v">
-                <p:oleObj spid="_x0000_s3291" name="Equation" r:id="rId7" imgW="1282680" imgH="241200" progId="Equation.DSMT4">
+                <p:oleObj spid="_x0000_s3303" name="Equation" r:id="rId7" imgW="1282680" imgH="241200" progId="Equation.DSMT4">
                   <p:embed/>
                 </p:oleObj>
               </mc:Choice>
@@ -27388,7 +28006,7 @@
           <a:graphicData uri="http://schemas.openxmlformats.org/presentationml/2006/ole">
             <mc:AlternateContent xmlns:mc="http://schemas.openxmlformats.org/markup-compatibility/2006">
               <mc:Choice xmlns:v="urn:schemas-microsoft-com:vml" Requires="v">
-                <p:oleObj spid="_x0000_s3292" name="Equation" r:id="rId9" imgW="1307880" imgH="431640" progId="Equation.DSMT4">
+                <p:oleObj spid="_x0000_s3304" name="Equation" r:id="rId9" imgW="1307880" imgH="431640" progId="Equation.DSMT4">
                   <p:embed/>
                 </p:oleObj>
               </mc:Choice>

--- a/数据分析-4-非参数分析.pptx
+++ b/数据分析-4-非参数分析.pptx
@@ -5,7 +5,7 @@
     <p:sldMasterId id="2147483660" r:id="rId1"/>
   </p:sldMasterIdLst>
   <p:notesMasterIdLst>
-    <p:notesMasterId r:id="rId30"/>
+    <p:notesMasterId r:id="rId31"/>
   </p:notesMasterIdLst>
   <p:sldIdLst>
     <p:sldId id="257" r:id="rId2"/>
@@ -18,24 +18,25 @@
     <p:sldId id="298" r:id="rId9"/>
     <p:sldId id="282" r:id="rId10"/>
     <p:sldId id="283" r:id="rId11"/>
-    <p:sldId id="285" r:id="rId12"/>
-    <p:sldId id="286" r:id="rId13"/>
-    <p:sldId id="304" r:id="rId14"/>
-    <p:sldId id="302" r:id="rId15"/>
-    <p:sldId id="301" r:id="rId16"/>
-    <p:sldId id="299" r:id="rId17"/>
-    <p:sldId id="300" r:id="rId18"/>
-    <p:sldId id="307" r:id="rId19"/>
-    <p:sldId id="308" r:id="rId20"/>
-    <p:sldId id="305" r:id="rId21"/>
-    <p:sldId id="306" r:id="rId22"/>
-    <p:sldId id="291" r:id="rId23"/>
-    <p:sldId id="290" r:id="rId24"/>
-    <p:sldId id="303" r:id="rId25"/>
-    <p:sldId id="292" r:id="rId26"/>
-    <p:sldId id="278" r:id="rId27"/>
-    <p:sldId id="279" r:id="rId28"/>
-    <p:sldId id="294" r:id="rId29"/>
+    <p:sldId id="309" r:id="rId12"/>
+    <p:sldId id="285" r:id="rId13"/>
+    <p:sldId id="286" r:id="rId14"/>
+    <p:sldId id="304" r:id="rId15"/>
+    <p:sldId id="302" r:id="rId16"/>
+    <p:sldId id="301" r:id="rId17"/>
+    <p:sldId id="299" r:id="rId18"/>
+    <p:sldId id="300" r:id="rId19"/>
+    <p:sldId id="307" r:id="rId20"/>
+    <p:sldId id="308" r:id="rId21"/>
+    <p:sldId id="305" r:id="rId22"/>
+    <p:sldId id="306" r:id="rId23"/>
+    <p:sldId id="291" r:id="rId24"/>
+    <p:sldId id="290" r:id="rId25"/>
+    <p:sldId id="303" r:id="rId26"/>
+    <p:sldId id="292" r:id="rId27"/>
+    <p:sldId id="278" r:id="rId28"/>
+    <p:sldId id="279" r:id="rId29"/>
+    <p:sldId id="294" r:id="rId30"/>
   </p:sldIdLst>
   <p:sldSz cx="12192000" cy="6858000"/>
   <p:notesSz cx="6858000" cy="9144000"/>
@@ -2725,7 +2726,7 @@
           <a:p>
             <a:fld id="{FC9299F6-D16D-46B0-AC4B-FA8D9444DBAF}" type="datetimeFigureOut">
               <a:rPr lang="zh-CN" altLang="en-US" smtClean="0"/>
-              <a:t>2017/10/21</a:t>
+              <a:t>2017/10/22</a:t>
             </a:fld>
             <a:endParaRPr lang="zh-CN" altLang="en-US"/>
           </a:p>
@@ -3066,7 +3067,7 @@
           <a:p>
             <a:fld id="{2F4BA1A6-BC32-4EAF-951C-8AB880694E3A}" type="slidenum">
               <a:rPr lang="zh-CN" altLang="en-US" smtClean="0"/>
-              <a:t>28</a:t>
+              <a:t>29</a:t>
             </a:fld>
             <a:endParaRPr lang="zh-CN" altLang="en-US"/>
           </a:p>
@@ -3311,7 +3312,7 @@
           <a:p>
             <a:fld id="{2AD0FAF9-BC0E-4D6B-B89B-F37C16987706}" type="datetimeFigureOut">
               <a:rPr lang="zh-CN" altLang="en-US" smtClean="0"/>
-              <a:t>2017/10/21</a:t>
+              <a:t>2017/10/22</a:t>
             </a:fld>
             <a:endParaRPr lang="zh-CN" altLang="en-US"/>
           </a:p>
@@ -3519,7 +3520,7 @@
           <a:p>
             <a:fld id="{2AD0FAF9-BC0E-4D6B-B89B-F37C16987706}" type="datetimeFigureOut">
               <a:rPr lang="zh-CN" altLang="en-US" smtClean="0"/>
-              <a:t>2017/10/21</a:t>
+              <a:t>2017/10/22</a:t>
             </a:fld>
             <a:endParaRPr lang="zh-CN" altLang="en-US"/>
           </a:p>
@@ -3775,7 +3776,7 @@
           <a:p>
             <a:fld id="{2AD0FAF9-BC0E-4D6B-B89B-F37C16987706}" type="datetimeFigureOut">
               <a:rPr lang="zh-CN" altLang="en-US" smtClean="0"/>
-              <a:t>2017/10/21</a:t>
+              <a:t>2017/10/22</a:t>
             </a:fld>
             <a:endParaRPr lang="zh-CN" altLang="en-US"/>
           </a:p>
@@ -3974,7 +3975,7 @@
           <a:p>
             <a:fld id="{2AD0FAF9-BC0E-4D6B-B89B-F37C16987706}" type="datetimeFigureOut">
               <a:rPr lang="zh-CN" altLang="en-US" smtClean="0"/>
-              <a:t>2017/10/21</a:t>
+              <a:t>2017/10/22</a:t>
             </a:fld>
             <a:endParaRPr lang="zh-CN" altLang="en-US"/>
           </a:p>
@@ -4316,7 +4317,7 @@
           <a:p>
             <a:fld id="{2AD0FAF9-BC0E-4D6B-B89B-F37C16987706}" type="datetimeFigureOut">
               <a:rPr lang="zh-CN" altLang="en-US" smtClean="0"/>
-              <a:t>2017/10/21</a:t>
+              <a:t>2017/10/22</a:t>
             </a:fld>
             <a:endParaRPr lang="zh-CN" altLang="en-US"/>
           </a:p>
@@ -4591,7 +4592,7 @@
           <a:p>
             <a:fld id="{2AD0FAF9-BC0E-4D6B-B89B-F37C16987706}" type="datetimeFigureOut">
               <a:rPr lang="zh-CN" altLang="en-US" smtClean="0"/>
-              <a:t>2017/10/21</a:t>
+              <a:t>2017/10/22</a:t>
             </a:fld>
             <a:endParaRPr lang="zh-CN" altLang="en-US"/>
           </a:p>
@@ -4970,7 +4971,7 @@
           <a:p>
             <a:fld id="{2AD0FAF9-BC0E-4D6B-B89B-F37C16987706}" type="datetimeFigureOut">
               <a:rPr lang="zh-CN" altLang="en-US" smtClean="0"/>
-              <a:t>2017/10/21</a:t>
+              <a:t>2017/10/22</a:t>
             </a:fld>
             <a:endParaRPr lang="zh-CN" altLang="en-US"/>
           </a:p>
@@ -5088,7 +5089,7 @@
           <a:p>
             <a:fld id="{2AD0FAF9-BC0E-4D6B-B89B-F37C16987706}" type="datetimeFigureOut">
               <a:rPr lang="zh-CN" altLang="en-US" smtClean="0"/>
-              <a:t>2017/10/21</a:t>
+              <a:t>2017/10/22</a:t>
             </a:fld>
             <a:endParaRPr lang="zh-CN" altLang="en-US"/>
           </a:p>
@@ -5259,7 +5260,7 @@
           <a:p>
             <a:fld id="{2AD0FAF9-BC0E-4D6B-B89B-F37C16987706}" type="datetimeFigureOut">
               <a:rPr lang="zh-CN" altLang="en-US" smtClean="0"/>
-              <a:t>2017/10/21</a:t>
+              <a:t>2017/10/22</a:t>
             </a:fld>
             <a:endParaRPr lang="zh-CN" altLang="en-US"/>
           </a:p>
@@ -5613,7 +5614,7 @@
           <a:p>
             <a:fld id="{2AD0FAF9-BC0E-4D6B-B89B-F37C16987706}" type="datetimeFigureOut">
               <a:rPr lang="zh-CN" altLang="en-US" smtClean="0"/>
-              <a:t>2017/10/21</a:t>
+              <a:t>2017/10/22</a:t>
             </a:fld>
             <a:endParaRPr lang="zh-CN" altLang="en-US"/>
           </a:p>
@@ -5995,7 +5996,7 @@
           <a:p>
             <a:fld id="{2AD0FAF9-BC0E-4D6B-B89B-F37C16987706}" type="datetimeFigureOut">
               <a:rPr lang="zh-CN" altLang="en-US" smtClean="0"/>
-              <a:t>2017/10/21</a:t>
+              <a:t>2017/10/22</a:t>
             </a:fld>
             <a:endParaRPr lang="zh-CN" altLang="en-US"/>
           </a:p>
@@ -6282,7 +6283,7 @@
           <a:p>
             <a:fld id="{2AD0FAF9-BC0E-4D6B-B89B-F37C16987706}" type="datetimeFigureOut">
               <a:rPr lang="zh-CN" altLang="en-US" smtClean="0"/>
-              <a:t>2017/10/21</a:t>
+              <a:t>2017/10/22</a:t>
             </a:fld>
             <a:endParaRPr lang="zh-CN" altLang="en-US"/>
           </a:p>
@@ -7036,7 +7037,7 @@
           <a:graphicData uri="http://schemas.openxmlformats.org/presentationml/2006/ole">
             <mc:AlternateContent xmlns:mc="http://schemas.openxmlformats.org/markup-compatibility/2006">
               <mc:Choice xmlns:v="urn:schemas-microsoft-com:vml" Requires="v">
-                <p:oleObj spid="_x0000_s4151" name="Equation" r:id="rId4" imgW="711000" imgH="177480" progId="Equation.DSMT4">
+                <p:oleObj spid="_x0000_s4163" name="Equation" r:id="rId4" imgW="711000" imgH="177480" progId="Equation.DSMT4">
                   <p:embed/>
                 </p:oleObj>
               </mc:Choice>
@@ -7476,6 +7477,212 @@
           <a:lstStyle/>
           <a:p>
             <a:r>
+              <a:rPr lang="zh-CN" altLang="en-US" sz="4000" dirty="0" smtClean="0"/>
+              <a:t>卡方分布</a:t>
+            </a:r>
+            <a:endParaRPr lang="zh-CN" altLang="en-US" sz="4000" dirty="0"/>
+          </a:p>
+        </p:txBody>
+      </p:sp>
+      <p:sp>
+        <p:nvSpPr>
+          <p:cNvPr id="3" name="内容占位符 2"/>
+          <p:cNvSpPr>
+            <a:spLocks noGrp="1"/>
+          </p:cNvSpPr>
+          <p:nvPr>
+            <p:ph idx="1"/>
+          </p:nvPr>
+        </p:nvSpPr>
+        <p:spPr/>
+        <p:txBody>
+          <a:bodyPr/>
+          <a:lstStyle/>
+          <a:p>
+            <a:r>
+              <a:rPr lang="zh-CN" altLang="en-US" dirty="0" smtClean="0"/>
+              <a:t>卡方分布 </a:t>
+            </a:r>
+            <a:endParaRPr lang="en-US" altLang="zh-CN" dirty="0" smtClean="0"/>
+          </a:p>
+          <a:p>
+            <a:endParaRPr lang="en-US" altLang="zh-CN" dirty="0"/>
+          </a:p>
+          <a:p>
+            <a:endParaRPr lang="en-US" altLang="zh-CN" dirty="0" smtClean="0"/>
+          </a:p>
+          <a:p>
+            <a:r>
+              <a:rPr lang="zh-CN" altLang="en-US" dirty="0" smtClean="0"/>
+              <a:t>自由度 </a:t>
+            </a:r>
+            <a:r>
+              <a:rPr lang="en-US" altLang="zh-CN" dirty="0" err="1" smtClean="0"/>
+              <a:t>df</a:t>
+            </a:r>
+            <a:r>
+              <a:rPr lang="en-US" altLang="zh-CN" dirty="0" smtClean="0"/>
+              <a:t>=n</a:t>
+            </a:r>
+          </a:p>
+          <a:p>
+            <a:r>
+              <a:rPr lang="zh-CN" altLang="en-US" dirty="0" smtClean="0"/>
+              <a:t>期望 </a:t>
+            </a:r>
+            <a:r>
+              <a:rPr lang="en-US" altLang="zh-CN" dirty="0" smtClean="0"/>
+              <a:t>n</a:t>
+            </a:r>
+          </a:p>
+          <a:p>
+            <a:r>
+              <a:rPr lang="zh-CN" altLang="en-US" dirty="0" smtClean="0"/>
+              <a:t>方差 </a:t>
+            </a:r>
+            <a:r>
+              <a:rPr lang="en-US" altLang="zh-CN" dirty="0" smtClean="0"/>
+              <a:t>2n</a:t>
+            </a:r>
+          </a:p>
+          <a:p>
+            <a:r>
+              <a:rPr lang="zh-CN" altLang="en-US" dirty="0" smtClean="0"/>
+              <a:t>自由度逐渐变大时趋于正态分布</a:t>
+            </a:r>
+            <a:endParaRPr lang="zh-CN" altLang="en-US" dirty="0"/>
+          </a:p>
+        </p:txBody>
+      </p:sp>
+      <p:pic>
+        <p:nvPicPr>
+          <p:cNvPr id="5" name="图片 4"/>
+          <p:cNvPicPr>
+            <a:picLocks noChangeAspect="1"/>
+          </p:cNvPicPr>
+          <p:nvPr/>
+        </p:nvPicPr>
+        <p:blipFill>
+          <a:blip r:embed="rId3"/>
+          <a:stretch>
+            <a:fillRect/>
+          </a:stretch>
+        </p:blipFill>
+        <p:spPr>
+          <a:xfrm>
+            <a:off x="6400800" y="137610"/>
+            <a:ext cx="5791200" cy="5572125"/>
+          </a:xfrm>
+          <a:prstGeom prst="rect">
+            <a:avLst/>
+          </a:prstGeom>
+        </p:spPr>
+      </p:pic>
+      <p:graphicFrame>
+        <p:nvGraphicFramePr>
+          <p:cNvPr id="6" name="对象 5"/>
+          <p:cNvGraphicFramePr>
+            <a:graphicFrameLocks noChangeAspect="1"/>
+          </p:cNvGraphicFramePr>
+          <p:nvPr>
+            <p:extLst>
+              <p:ext uri="{D42A27DB-BD31-4B8C-83A1-F6EECF244321}">
+                <p14:modId xmlns:p14="http://schemas.microsoft.com/office/powerpoint/2010/main" val="2217262677"/>
+              </p:ext>
+            </p:extLst>
+          </p:nvPr>
+        </p:nvGraphicFramePr>
+        <p:xfrm>
+          <a:off x="1544720" y="2340560"/>
+          <a:ext cx="2081174" cy="643272"/>
+        </p:xfrm>
+        <a:graphic>
+          <a:graphicData uri="http://schemas.openxmlformats.org/presentationml/2006/ole">
+            <mc:AlternateContent xmlns:mc="http://schemas.openxmlformats.org/markup-compatibility/2006">
+              <mc:Choice xmlns:v="urn:schemas-microsoft-com:vml" Requires="v">
+                <p:oleObj spid="_x0000_s16390" name="Equation" r:id="rId4" imgW="1396800" imgH="431640" progId="Equation.DSMT4">
+                  <p:embed/>
+                </p:oleObj>
+              </mc:Choice>
+              <mc:Fallback>
+                <p:oleObj name="Equation" r:id="rId4" imgW="1396800" imgH="431640" progId="Equation.DSMT4">
+                  <p:embed/>
+                  <p:pic>
+                    <p:nvPicPr>
+                      <p:cNvPr id="0" name=""/>
+                      <p:cNvPicPr/>
+                      <p:nvPr/>
+                    </p:nvPicPr>
+                    <p:blipFill>
+                      <a:blip r:embed="rId5"/>
+                      <a:stretch>
+                        <a:fillRect/>
+                      </a:stretch>
+                    </p:blipFill>
+                    <p:spPr>
+                      <a:xfrm>
+                        <a:off x="1544720" y="2340560"/>
+                        <a:ext cx="2081174" cy="643272"/>
+                      </a:xfrm>
+                      <a:prstGeom prst="rect">
+                        <a:avLst/>
+                      </a:prstGeom>
+                    </p:spPr>
+                  </p:pic>
+                </p:oleObj>
+              </mc:Fallback>
+            </mc:AlternateContent>
+          </a:graphicData>
+        </a:graphic>
+      </p:graphicFrame>
+    </p:spTree>
+    <p:extLst>
+      <p:ext uri="{BB962C8B-B14F-4D97-AF65-F5344CB8AC3E}">
+        <p14:creationId xmlns:p14="http://schemas.microsoft.com/office/powerpoint/2010/main" val="2256522022"/>
+      </p:ext>
+    </p:extLst>
+  </p:cSld>
+  <p:clrMapOvr>
+    <a:masterClrMapping/>
+  </p:clrMapOvr>
+</p:sld>
+</file>
+
+<file path=ppt/slides/slide12.xml><?xml version="1.0" encoding="utf-8"?>
+<p:sld xmlns:a="http://schemas.openxmlformats.org/drawingml/2006/main" xmlns:r="http://schemas.openxmlformats.org/officeDocument/2006/relationships" xmlns:p="http://schemas.openxmlformats.org/presentationml/2006/main">
+  <p:cSld>
+    <p:spTree>
+      <p:nvGrpSpPr>
+        <p:cNvPr id="1" name=""/>
+        <p:cNvGrpSpPr/>
+        <p:nvPr/>
+      </p:nvGrpSpPr>
+      <p:grpSpPr>
+        <a:xfrm>
+          <a:off x="0" y="0"/>
+          <a:ext cx="0" cy="0"/>
+          <a:chOff x="0" y="0"/>
+          <a:chExt cx="0" cy="0"/>
+        </a:xfrm>
+      </p:grpSpPr>
+      <p:sp>
+        <p:nvSpPr>
+          <p:cNvPr id="2" name="标题 1"/>
+          <p:cNvSpPr>
+            <a:spLocks noGrp="1"/>
+          </p:cNvSpPr>
+          <p:nvPr>
+            <p:ph type="title"/>
+          </p:nvPr>
+        </p:nvSpPr>
+        <p:spPr/>
+        <p:txBody>
+          <a:bodyPr>
+            <a:normAutofit/>
+          </a:bodyPr>
+          <a:lstStyle/>
+          <a:p>
+            <a:r>
               <a:rPr lang="zh-CN" altLang="en-US" sz="2800" dirty="0"/>
               <a:t>数据分布的偏态</a:t>
             </a:r>
@@ -7534,14 +7741,6 @@
               <a:t>期望两侧数据分布不均衡</a:t>
             </a:r>
             <a:endParaRPr lang="en-US" altLang="zh-CN" dirty="0" smtClean="0"/>
-          </a:p>
-          <a:p>
-            <a:pPr lvl="1"/>
-            <a:r>
-              <a:rPr lang="zh-CN" altLang="en-US" dirty="0" smtClean="0"/>
-              <a:t>两侧的数据包含的风险或可信度不一致</a:t>
-            </a:r>
-            <a:endParaRPr lang="zh-CN" altLang="en-US" dirty="0"/>
           </a:p>
         </p:txBody>
       </p:sp>
@@ -8195,7 +8394,7 @@
             <a:graphicData uri="http://schemas.openxmlformats.org/presentationml/2006/ole">
               <mc:AlternateContent xmlns:mc="http://schemas.openxmlformats.org/markup-compatibility/2006">
                 <mc:Choice xmlns:v="urn:schemas-microsoft-com:vml" Requires="v">
-                  <p:oleObj spid="_x0000_s5174" name="Equation" r:id="rId4" imgW="1422360" imgH="533160" progId="Equation.DSMT4">
+                  <p:oleObj spid="_x0000_s5186" name="Equation" r:id="rId4" imgW="1422360" imgH="533160" progId="Equation.DSMT4">
                     <p:embed/>
                   </p:oleObj>
                 </mc:Choice>
@@ -8494,49 +8693,6 @@
                                   </p:childTnLst>
                                 </p:cTn>
                               </p:par>
-                              <p:par>
-                                <p:cTn id="21" presetID="10" presetClass="entr" presetSubtype="0" fill="hold" grpId="0" nodeType="withEffect">
-                                  <p:stCondLst>
-                                    <p:cond delay="0"/>
-                                  </p:stCondLst>
-                                  <p:childTnLst>
-                                    <p:set>
-                                      <p:cBhvr>
-                                        <p:cTn id="22" dur="1" fill="hold">
-                                          <p:stCondLst>
-                                            <p:cond delay="0"/>
-                                          </p:stCondLst>
-                                        </p:cTn>
-                                        <p:tgtEl>
-                                          <p:spTgt spid="3">
-                                            <p:txEl>
-                                              <p:pRg st="6" end="6"/>
-                                            </p:txEl>
-                                          </p:spTgt>
-                                        </p:tgtEl>
-                                        <p:attrNameLst>
-                                          <p:attrName>style.visibility</p:attrName>
-                                        </p:attrNameLst>
-                                      </p:cBhvr>
-                                      <p:to>
-                                        <p:strVal val="visible"/>
-                                      </p:to>
-                                    </p:set>
-                                    <p:animEffect transition="in" filter="fade">
-                                      <p:cBhvr>
-                                        <p:cTn id="23" dur="500"/>
-                                        <p:tgtEl>
-                                          <p:spTgt spid="3">
-                                            <p:txEl>
-                                              <p:pRg st="6" end="6"/>
-                                            </p:txEl>
-                                          </p:spTgt>
-                                        </p:tgtEl>
-                                      </p:cBhvr>
-                                    </p:animEffect>
-                                  </p:childTnLst>
-                                </p:cTn>
-                              </p:par>
                             </p:childTnLst>
                           </p:cTn>
                         </p:par>
@@ -8544,26 +8700,26 @@
                     </p:cTn>
                   </p:par>
                   <p:par>
-                    <p:cTn id="24" fill="hold">
+                    <p:cTn id="21" fill="hold">
                       <p:stCondLst>
                         <p:cond delay="indefinite"/>
                       </p:stCondLst>
                       <p:childTnLst>
                         <p:par>
-                          <p:cTn id="25" fill="hold">
+                          <p:cTn id="22" fill="hold">
                             <p:stCondLst>
                               <p:cond delay="0"/>
                             </p:stCondLst>
                             <p:childTnLst>
                               <p:par>
-                                <p:cTn id="26" presetID="10" presetClass="entr" presetSubtype="0" fill="hold" nodeType="clickEffect">
+                                <p:cTn id="23" presetID="10" presetClass="entr" presetSubtype="0" fill="hold" nodeType="clickEffect">
                                   <p:stCondLst>
                                     <p:cond delay="0"/>
                                   </p:stCondLst>
                                   <p:childTnLst>
                                     <p:set>
                                       <p:cBhvr>
-                                        <p:cTn id="27" dur="1" fill="hold">
+                                        <p:cTn id="24" dur="1" fill="hold">
                                           <p:stCondLst>
                                             <p:cond delay="0"/>
                                           </p:stCondLst>
@@ -8581,7 +8737,7 @@
                                     </p:set>
                                     <p:animEffect transition="in" filter="fade">
                                       <p:cBhvr>
-                                        <p:cTn id="28" dur="500"/>
+                                        <p:cTn id="25" dur="500"/>
                                         <p:tgtEl>
                                           <p:spTgt spid="9"/>
                                         </p:tgtEl>
@@ -8624,7 +8780,7 @@
 </p:sld>
 </file>
 
-<file path=ppt/slides/slide12.xml><?xml version="1.0" encoding="utf-8"?>
+<file path=ppt/slides/slide13.xml><?xml version="1.0" encoding="utf-8"?>
 <p:sld xmlns:a="http://schemas.openxmlformats.org/drawingml/2006/main" xmlns:r="http://schemas.openxmlformats.org/officeDocument/2006/relationships" xmlns:p="http://schemas.openxmlformats.org/presentationml/2006/main">
   <p:cSld>
     <p:spTree>
@@ -8721,22 +8877,6 @@
               <a:t>数据是否集中于期望值周围</a:t>
             </a:r>
             <a:endParaRPr lang="en-US" altLang="zh-CN" dirty="0" smtClean="0"/>
-          </a:p>
-          <a:p>
-            <a:pPr lvl="1"/>
-            <a:r>
-              <a:rPr lang="zh-CN" altLang="en-US" dirty="0" smtClean="0"/>
-              <a:t>如金融资产方面，当峰度较大时衡量了风险或可信度高低</a:t>
-            </a:r>
-            <a:endParaRPr lang="en-US" altLang="zh-CN" dirty="0" smtClean="0"/>
-          </a:p>
-          <a:p>
-            <a:pPr lvl="1"/>
-            <a:r>
-              <a:rPr lang="zh-CN" altLang="en-US" dirty="0" smtClean="0"/>
-              <a:t>存在异常值</a:t>
-            </a:r>
-            <a:endParaRPr lang="zh-CN" altLang="en-US" dirty="0"/>
           </a:p>
         </p:txBody>
       </p:sp>
@@ -9408,7 +9548,7 @@
             <a:graphicData uri="http://schemas.openxmlformats.org/presentationml/2006/ole">
               <mc:AlternateContent xmlns:mc="http://schemas.openxmlformats.org/markup-compatibility/2006">
                 <mc:Choice xmlns:v="urn:schemas-microsoft-com:vml" Requires="v">
-                  <p:oleObj spid="_x0000_s6198" name="Equation" r:id="rId4" imgW="1511280" imgH="482400" progId="Equation.DSMT4">
+                  <p:oleObj spid="_x0000_s6210" name="Equation" r:id="rId4" imgW="1511280" imgH="482400" progId="Equation.DSMT4">
                     <p:embed/>
                   </p:oleObj>
                 </mc:Choice>
@@ -9674,92 +9814,6 @@
                                   </p:childTnLst>
                                 </p:cTn>
                               </p:par>
-                              <p:par>
-                                <p:cTn id="21" presetID="10" presetClass="entr" presetSubtype="0" fill="hold" grpId="0" nodeType="withEffect">
-                                  <p:stCondLst>
-                                    <p:cond delay="0"/>
-                                  </p:stCondLst>
-                                  <p:childTnLst>
-                                    <p:set>
-                                      <p:cBhvr>
-                                        <p:cTn id="22" dur="1" fill="hold">
-                                          <p:stCondLst>
-                                            <p:cond delay="0"/>
-                                          </p:stCondLst>
-                                        </p:cTn>
-                                        <p:tgtEl>
-                                          <p:spTgt spid="3">
-                                            <p:txEl>
-                                              <p:pRg st="7" end="7"/>
-                                            </p:txEl>
-                                          </p:spTgt>
-                                        </p:tgtEl>
-                                        <p:attrNameLst>
-                                          <p:attrName>style.visibility</p:attrName>
-                                        </p:attrNameLst>
-                                      </p:cBhvr>
-                                      <p:to>
-                                        <p:strVal val="visible"/>
-                                      </p:to>
-                                    </p:set>
-                                    <p:animEffect transition="in" filter="fade">
-                                      <p:cBhvr>
-                                        <p:cTn id="23" dur="500"/>
-                                        <p:tgtEl>
-                                          <p:spTgt spid="3">
-                                            <p:txEl>
-                                              <p:pRg st="7" end="7"/>
-                                            </p:txEl>
-                                          </p:spTgt>
-                                        </p:tgtEl>
-                                      </p:cBhvr>
-                                    </p:animEffect>
-                                  </p:childTnLst>
-                                </p:cTn>
-                              </p:par>
-                              <p:par>
-                                <p:cTn id="24" presetID="10" presetClass="entr" presetSubtype="0" fill="hold" grpId="0" nodeType="withEffect">
-                                  <p:stCondLst>
-                                    <p:cond delay="0"/>
-                                  </p:stCondLst>
-                                  <p:childTnLst>
-                                    <p:set>
-                                      <p:cBhvr>
-                                        <p:cTn id="25" dur="1" fill="hold">
-                                          <p:stCondLst>
-                                            <p:cond delay="0"/>
-                                          </p:stCondLst>
-                                        </p:cTn>
-                                        <p:tgtEl>
-                                          <p:spTgt spid="3">
-                                            <p:txEl>
-                                              <p:pRg st="8" end="8"/>
-                                            </p:txEl>
-                                          </p:spTgt>
-                                        </p:tgtEl>
-                                        <p:attrNameLst>
-                                          <p:attrName>style.visibility</p:attrName>
-                                        </p:attrNameLst>
-                                      </p:cBhvr>
-                                      <p:to>
-                                        <p:strVal val="visible"/>
-                                      </p:to>
-                                    </p:set>
-                                    <p:animEffect transition="in" filter="fade">
-                                      <p:cBhvr>
-                                        <p:cTn id="26" dur="500"/>
-                                        <p:tgtEl>
-                                          <p:spTgt spid="3">
-                                            <p:txEl>
-                                              <p:pRg st="8" end="8"/>
-                                            </p:txEl>
-                                          </p:spTgt>
-                                        </p:tgtEl>
-                                      </p:cBhvr>
-                                    </p:animEffect>
-                                  </p:childTnLst>
-                                </p:cTn>
-                              </p:par>
                             </p:childTnLst>
                           </p:cTn>
                         </p:par>
@@ -9767,26 +9821,26 @@
                     </p:cTn>
                   </p:par>
                   <p:par>
-                    <p:cTn id="27" fill="hold">
+                    <p:cTn id="21" fill="hold">
                       <p:stCondLst>
                         <p:cond delay="indefinite"/>
                       </p:stCondLst>
                       <p:childTnLst>
                         <p:par>
-                          <p:cTn id="28" fill="hold">
+                          <p:cTn id="22" fill="hold">
                             <p:stCondLst>
                               <p:cond delay="0"/>
                             </p:stCondLst>
                             <p:childTnLst>
                               <p:par>
-                                <p:cTn id="29" presetID="10" presetClass="entr" presetSubtype="0" fill="hold" nodeType="clickEffect">
+                                <p:cTn id="23" presetID="10" presetClass="entr" presetSubtype="0" fill="hold" nodeType="clickEffect">
                                   <p:stCondLst>
                                     <p:cond delay="0"/>
                                   </p:stCondLst>
                                   <p:childTnLst>
                                     <p:set>
                                       <p:cBhvr>
-                                        <p:cTn id="30" dur="1" fill="hold">
+                                        <p:cTn id="24" dur="1" fill="hold">
                                           <p:stCondLst>
                                             <p:cond delay="0"/>
                                           </p:stCondLst>
@@ -9804,7 +9858,7 @@
                                     </p:set>
                                     <p:animEffect transition="in" filter="fade">
                                       <p:cBhvr>
-                                        <p:cTn id="31" dur="500"/>
+                                        <p:cTn id="25" dur="500"/>
                                         <p:tgtEl>
                                           <p:spTgt spid="5"/>
                                         </p:tgtEl>
@@ -9847,7 +9901,7 @@
 </p:sld>
 </file>
 
-<file path=ppt/slides/slide13.xml><?xml version="1.0" encoding="utf-8"?>
+<file path=ppt/slides/slide14.xml><?xml version="1.0" encoding="utf-8"?>
 <p:sld xmlns:a="http://schemas.openxmlformats.org/drawingml/2006/main" xmlns:r="http://schemas.openxmlformats.org/officeDocument/2006/relationships" xmlns:p="http://schemas.openxmlformats.org/presentationml/2006/main">
   <p:cSld>
     <p:spTree>
@@ -9991,7 +10045,7 @@
 </p:sld>
 </file>
 
-<file path=ppt/slides/slide14.xml><?xml version="1.0" encoding="utf-8"?>
+<file path=ppt/slides/slide15.xml><?xml version="1.0" encoding="utf-8"?>
 <p:sld xmlns:a="http://schemas.openxmlformats.org/drawingml/2006/main" xmlns:r="http://schemas.openxmlformats.org/officeDocument/2006/relationships" xmlns:p="http://schemas.openxmlformats.org/presentationml/2006/main">
   <p:cSld>
     <p:spTree>
@@ -17966,7 +18020,7 @@
             <a:graphicData uri="http://schemas.openxmlformats.org/presentationml/2006/ole">
               <mc:AlternateContent xmlns:mc="http://schemas.openxmlformats.org/markup-compatibility/2006">
                 <mc:Choice xmlns:v="urn:schemas-microsoft-com:vml" Requires="v">
-                  <p:oleObj spid="_x0000_s8229" name="Equation" r:id="rId5" imgW="164880" imgH="228600" progId="Equation.3">
+                  <p:oleObj spid="_x0000_s8253" name="Equation" r:id="rId5" imgW="164880" imgH="228600" progId="Equation.3">
                     <p:embed/>
                   </p:oleObj>
                 </mc:Choice>
@@ -18462,7 +18516,7 @@
           <a:graphicData uri="http://schemas.openxmlformats.org/presentationml/2006/ole">
             <mc:AlternateContent xmlns:mc="http://schemas.openxmlformats.org/markup-compatibility/2006">
               <mc:Choice xmlns:v="urn:schemas-microsoft-com:vml" Requires="v">
-                <p:oleObj spid="_x0000_s8230" name="Equation" r:id="rId7" imgW="3797280" imgH="482400" progId="Equation.DSMT4">
+                <p:oleObj spid="_x0000_s8254" name="Equation" r:id="rId7" imgW="3797280" imgH="482400" progId="Equation.DSMT4">
                   <p:embed/>
                 </p:oleObj>
               </mc:Choice>
@@ -19021,7 +19075,7 @@
 </p:sld>
 </file>
 
-<file path=ppt/slides/slide15.xml><?xml version="1.0" encoding="utf-8"?>
+<file path=ppt/slides/slide16.xml><?xml version="1.0" encoding="utf-8"?>
 <p:sld xmlns:a="http://schemas.openxmlformats.org/drawingml/2006/main" xmlns:r="http://schemas.openxmlformats.org/officeDocument/2006/relationships" xmlns:p="http://schemas.openxmlformats.org/presentationml/2006/main">
   <p:cSld>
     <p:spTree>
@@ -19448,7 +19502,7 @@
             <a:graphicData uri="http://schemas.openxmlformats.org/presentationml/2006/ole">
               <mc:AlternateContent xmlns:mc="http://schemas.openxmlformats.org/markup-compatibility/2006">
                 <mc:Choice xmlns:v="urn:schemas-microsoft-com:vml" Requires="v">
-                  <p:oleObj spid="_x0000_s9239" name="公式" r:id="rId3" imgW="4330440" imgH="431640" progId="Equation.3">
+                  <p:oleObj spid="_x0000_s9251" name="公式" r:id="rId3" imgW="4330440" imgH="431640" progId="Equation.3">
                     <p:embed/>
                   </p:oleObj>
                 </mc:Choice>
@@ -19610,7 +19664,7 @@
 </p:sld>
 </file>
 
-<file path=ppt/slides/slide16.xml><?xml version="1.0" encoding="utf-8"?>
+<file path=ppt/slides/slide17.xml><?xml version="1.0" encoding="utf-8"?>
 <p:sld xmlns:a="http://schemas.openxmlformats.org/drawingml/2006/main" xmlns:r="http://schemas.openxmlformats.org/officeDocument/2006/relationships" xmlns:p="http://schemas.openxmlformats.org/presentationml/2006/main">
   <p:cSld>
     <p:spTree>
@@ -19674,7 +19728,7 @@
           <a:graphicData uri="http://schemas.openxmlformats.org/presentationml/2006/ole">
             <mc:AlternateContent xmlns:mc="http://schemas.openxmlformats.org/markup-compatibility/2006">
               <mc:Choice xmlns:v="urn:schemas-microsoft-com:vml" Requires="v">
-                <p:oleObj spid="_x0000_s10294" name="Equation" r:id="rId3" imgW="2463480" imgH="457200" progId="Equation.DSMT4">
+                <p:oleObj spid="_x0000_s10330" name="Equation" r:id="rId3" imgW="2463480" imgH="457200" progId="Equation.DSMT4">
                   <p:embed/>
                 </p:oleObj>
               </mc:Choice>
@@ -19745,7 +19799,7 @@
             <a:graphicData uri="http://schemas.openxmlformats.org/presentationml/2006/ole">
               <mc:AlternateContent xmlns:mc="http://schemas.openxmlformats.org/markup-compatibility/2006">
                 <mc:Choice xmlns:v="urn:schemas-microsoft-com:vml" Requires="v">
-                  <p:oleObj spid="_x0000_s10295" name="Equation" r:id="rId5" imgW="1104840" imgH="431640" progId="Equation.DSMT4">
+                  <p:oleObj spid="_x0000_s10331" name="Equation" r:id="rId5" imgW="1104840" imgH="431640" progId="Equation.DSMT4">
                     <p:embed/>
                   </p:oleObj>
                 </mc:Choice>
@@ -19853,7 +19907,7 @@
             <a:graphicData uri="http://schemas.openxmlformats.org/presentationml/2006/ole">
               <mc:AlternateContent xmlns:mc="http://schemas.openxmlformats.org/markup-compatibility/2006">
                 <mc:Choice xmlns:v="urn:schemas-microsoft-com:vml" Requires="v">
-                  <p:oleObj spid="_x0000_s10296" name="Equation" r:id="rId7" imgW="1358640" imgH="457200" progId="Equation.DSMT4">
+                  <p:oleObj spid="_x0000_s10332" name="Equation" r:id="rId7" imgW="1358640" imgH="457200" progId="Equation.DSMT4">
                     <p:embed/>
                   </p:oleObj>
                 </mc:Choice>
@@ -20491,7 +20545,7 @@
 </p:sld>
 </file>
 
-<file path=ppt/slides/slide17.xml><?xml version="1.0" encoding="utf-8"?>
+<file path=ppt/slides/slide18.xml><?xml version="1.0" encoding="utf-8"?>
 <p:sld xmlns:a="http://schemas.openxmlformats.org/drawingml/2006/main" xmlns:r="http://schemas.openxmlformats.org/officeDocument/2006/relationships" xmlns:p="http://schemas.openxmlformats.org/presentationml/2006/main">
   <p:cSld>
     <p:spTree>
@@ -20555,7 +20609,7 @@
           <a:graphicData uri="http://schemas.openxmlformats.org/presentationml/2006/ole">
             <mc:AlternateContent xmlns:mc="http://schemas.openxmlformats.org/markup-compatibility/2006">
               <mc:Choice xmlns:v="urn:schemas-microsoft-com:vml" Requires="v">
-                <p:oleObj spid="_x0000_s11348" name="Equation" r:id="rId3" imgW="2463480" imgH="457200" progId="Equation.DSMT4">
+                <p:oleObj spid="_x0000_s11372" name="Equation" r:id="rId3" imgW="2463480" imgH="457200" progId="Equation.DSMT4">
                   <p:embed/>
                 </p:oleObj>
               </mc:Choice>
@@ -20599,20 +20653,20 @@
           <p:nvPr>
             <p:extLst>
               <p:ext uri="{D42A27DB-BD31-4B8C-83A1-F6EECF244321}">
-                <p14:modId xmlns:p14="http://schemas.microsoft.com/office/powerpoint/2010/main" val="3481898054"/>
+                <p14:modId xmlns:p14="http://schemas.microsoft.com/office/powerpoint/2010/main" val="1365677860"/>
               </p:ext>
             </p:extLst>
           </p:nvPr>
         </p:nvGraphicFramePr>
         <p:xfrm>
-          <a:off x="1097280" y="3022193"/>
+          <a:off x="1184829" y="3810134"/>
           <a:ext cx="2476500" cy="550862"/>
         </p:xfrm>
         <a:graphic>
           <a:graphicData uri="http://schemas.openxmlformats.org/presentationml/2006/ole">
             <mc:AlternateContent xmlns:mc="http://schemas.openxmlformats.org/markup-compatibility/2006">
               <mc:Choice xmlns:v="urn:schemas-microsoft-com:vml" Requires="v">
-                <p:oleObj spid="_x0000_s11349" name="Equation" r:id="rId5" imgW="1028520" imgH="228600" progId="Equation.DSMT4">
+                <p:oleObj spid="_x0000_s11373" name="Equation" r:id="rId5" imgW="1028520" imgH="228600" progId="Equation.DSMT4">
                   <p:embed/>
                 </p:oleObj>
               </mc:Choice>
@@ -20633,7 +20687,7 @@
                     </p:blipFill>
                     <p:spPr>
                       <a:xfrm>
-                        <a:off x="1097280" y="3022193"/>
+                        <a:off x="1184829" y="3810134"/>
                         <a:ext cx="2476500" cy="550862"/>
                       </a:xfrm>
                       <a:prstGeom prst="rect">
@@ -20655,7 +20709,7 @@
         </p:nvSpPr>
         <p:spPr>
           <a:xfrm>
-            <a:off x="1924877" y="2837497"/>
+            <a:off x="2012426" y="3625438"/>
             <a:ext cx="791570" cy="895635"/>
           </a:xfrm>
           <a:prstGeom prst="ellipse">
@@ -20694,7 +20748,7 @@
         </p:nvSpPr>
         <p:spPr>
           <a:xfrm>
-            <a:off x="2815091" y="2832462"/>
+            <a:off x="2902640" y="3620403"/>
             <a:ext cx="791570" cy="895635"/>
           </a:xfrm>
           <a:prstGeom prst="ellipse">
@@ -20969,7 +21023,7 @@
 </p:sld>
 </file>
 
-<file path=ppt/slides/slide18.xml><?xml version="1.0" encoding="utf-8"?>
+<file path=ppt/slides/slide19.xml><?xml version="1.0" encoding="utf-8"?>
 <p:sld xmlns:a="http://schemas.openxmlformats.org/drawingml/2006/main" xmlns:r="http://schemas.openxmlformats.org/officeDocument/2006/relationships" xmlns:p="http://schemas.openxmlformats.org/presentationml/2006/main">
   <p:cSld>
     <p:spTree>
@@ -21027,6 +21081,9 @@
             <a:endParaRPr lang="en-US" altLang="zh-CN" dirty="0" smtClean="0"/>
           </a:p>
           <a:p>
+            <a:endParaRPr lang="en-US" altLang="zh-CN" dirty="0" smtClean="0"/>
+          </a:p>
+          <a:p>
             <a:endParaRPr lang="en-US" altLang="zh-CN" dirty="0"/>
           </a:p>
           <a:p>
@@ -21066,6 +21123,9 @@
             <a:endParaRPr lang="en-US" altLang="zh-CN" dirty="0" smtClean="0"/>
           </a:p>
           <a:p>
+            <a:endParaRPr lang="en-US" altLang="zh-CN" dirty="0" smtClean="0"/>
+          </a:p>
+          <a:p>
             <a:endParaRPr lang="en-US" altLang="zh-CN" dirty="0"/>
           </a:p>
           <a:p>
@@ -21102,7 +21162,7 @@
           <a:graphicData uri="http://schemas.openxmlformats.org/presentationml/2006/ole">
             <mc:AlternateContent xmlns:mc="http://schemas.openxmlformats.org/markup-compatibility/2006">
               <mc:Choice xmlns:v="urn:schemas-microsoft-com:vml" Requires="v">
-                <p:oleObj spid="_x0000_s14350" name="Equation" r:id="rId3" imgW="1422360" imgH="457200" progId="Equation.DSMT4">
+                <p:oleObj spid="_x0000_s14410" name="Equation" r:id="rId3" imgW="1422360" imgH="457200" progId="Equation.DSMT4">
                   <p:embed/>
                 </p:oleObj>
               </mc:Choice>
@@ -21159,7 +21219,7 @@
           <a:graphicData uri="http://schemas.openxmlformats.org/presentationml/2006/ole">
             <mc:AlternateContent xmlns:mc="http://schemas.openxmlformats.org/markup-compatibility/2006">
               <mc:Choice xmlns:v="urn:schemas-microsoft-com:vml" Requires="v">
-                <p:oleObj spid="_x0000_s14351" name="Equation" r:id="rId5" imgW="1346040" imgH="457200" progId="Equation.DSMT4">
+                <p:oleObj spid="_x0000_s14411" name="Equation" r:id="rId5" imgW="1346040" imgH="457200" progId="Equation.DSMT4">
                   <p:embed/>
                 </p:oleObj>
               </mc:Choice>
@@ -21203,20 +21263,20 @@
           <p:nvPr>
             <p:extLst>
               <p:ext uri="{D42A27DB-BD31-4B8C-83A1-F6EECF244321}">
-                <p14:modId xmlns:p14="http://schemas.microsoft.com/office/powerpoint/2010/main" val="3575776495"/>
+                <p14:modId xmlns:p14="http://schemas.microsoft.com/office/powerpoint/2010/main" val="2428529279"/>
               </p:ext>
             </p:extLst>
           </p:nvPr>
         </p:nvGraphicFramePr>
         <p:xfrm>
-          <a:off x="6254468" y="3780501"/>
+          <a:off x="6312834" y="3909027"/>
           <a:ext cx="1433712" cy="469215"/>
         </p:xfrm>
         <a:graphic>
           <a:graphicData uri="http://schemas.openxmlformats.org/presentationml/2006/ole">
             <mc:AlternateContent xmlns:mc="http://schemas.openxmlformats.org/markup-compatibility/2006">
               <mc:Choice xmlns:v="urn:schemas-microsoft-com:vml" Requires="v">
-                <p:oleObj spid="_x0000_s14352" name="Equation" r:id="rId7" imgW="698400" imgH="228600" progId="Equation.DSMT4">
+                <p:oleObj spid="_x0000_s14412" name="Equation" r:id="rId7" imgW="698400" imgH="228600" progId="Equation.DSMT4">
                   <p:embed/>
                 </p:oleObj>
               </mc:Choice>
@@ -21237,7 +21297,7 @@
                     </p:blipFill>
                     <p:spPr>
                       <a:xfrm>
-                        <a:off x="6254468" y="3780501"/>
+                        <a:off x="6312834" y="3909027"/>
                         <a:ext cx="1433712" cy="469215"/>
                       </a:xfrm>
                       <a:prstGeom prst="rect">
@@ -21260,20 +21320,20 @@
           <p:nvPr>
             <p:extLst>
               <p:ext uri="{D42A27DB-BD31-4B8C-83A1-F6EECF244321}">
-                <p14:modId xmlns:p14="http://schemas.microsoft.com/office/powerpoint/2010/main" val="3220578723"/>
+                <p14:modId xmlns:p14="http://schemas.microsoft.com/office/powerpoint/2010/main" val="1853565992"/>
               </p:ext>
             </p:extLst>
           </p:nvPr>
         </p:nvGraphicFramePr>
         <p:xfrm>
-          <a:off x="1245400" y="3780502"/>
+          <a:off x="1193531" y="4015108"/>
           <a:ext cx="1541568" cy="478418"/>
         </p:xfrm>
         <a:graphic>
           <a:graphicData uri="http://schemas.openxmlformats.org/presentationml/2006/ole">
             <mc:AlternateContent xmlns:mc="http://schemas.openxmlformats.org/markup-compatibility/2006">
               <mc:Choice xmlns:v="urn:schemas-microsoft-com:vml" Requires="v">
-                <p:oleObj spid="_x0000_s14353" name="Equation" r:id="rId9" imgW="736560" imgH="228600" progId="Equation.DSMT4">
+                <p:oleObj spid="_x0000_s14413" name="Equation" r:id="rId9" imgW="736560" imgH="228600" progId="Equation.DSMT4">
                   <p:embed/>
                 </p:oleObj>
               </mc:Choice>
@@ -21294,7 +21354,7 @@
                     </p:blipFill>
                     <p:spPr>
                       <a:xfrm>
-                        <a:off x="1245400" y="3780502"/>
+                        <a:off x="1193531" y="4015108"/>
                         <a:ext cx="1541568" cy="478418"/>
                       </a:xfrm>
                       <a:prstGeom prst="rect">
@@ -21330,7 +21390,7 @@
           <a:graphicData uri="http://schemas.openxmlformats.org/presentationml/2006/ole">
             <mc:AlternateContent xmlns:mc="http://schemas.openxmlformats.org/markup-compatibility/2006">
               <mc:Choice xmlns:v="urn:schemas-microsoft-com:vml" Requires="v">
-                <p:oleObj spid="_x0000_s14354" name="Equation" r:id="rId11" imgW="1130040" imgH="228600" progId="Equation.DSMT4">
+                <p:oleObj spid="_x0000_s14414" name="Equation" r:id="rId11" imgW="1130040" imgH="228600" progId="Equation.DSMT4">
                   <p:embed/>
                 </p:oleObj>
               </mc:Choice>
@@ -21465,7 +21525,93 @@
 </p:sld>
 </file>
 
-<file path=ppt/slides/slide19.xml><?xml version="1.0" encoding="utf-8"?>
+<file path=ppt/slides/slide2.xml><?xml version="1.0" encoding="utf-8"?>
+<p:sld xmlns:a="http://schemas.openxmlformats.org/drawingml/2006/main" xmlns:r="http://schemas.openxmlformats.org/officeDocument/2006/relationships" xmlns:p="http://schemas.openxmlformats.org/presentationml/2006/main">
+  <p:cSld>
+    <p:spTree>
+      <p:nvGrpSpPr>
+        <p:cNvPr id="1" name=""/>
+        <p:cNvGrpSpPr/>
+        <p:nvPr/>
+      </p:nvGrpSpPr>
+      <p:grpSpPr>
+        <a:xfrm>
+          <a:off x="0" y="0"/>
+          <a:ext cx="0" cy="0"/>
+          <a:chOff x="0" y="0"/>
+          <a:chExt cx="0" cy="0"/>
+        </a:xfrm>
+      </p:grpSpPr>
+      <p:sp>
+        <p:nvSpPr>
+          <p:cNvPr id="2" name="标题 1"/>
+          <p:cNvSpPr>
+            <a:spLocks noGrp="1"/>
+          </p:cNvSpPr>
+          <p:nvPr>
+            <p:ph type="title"/>
+          </p:nvPr>
+        </p:nvSpPr>
+        <p:spPr/>
+        <p:txBody>
+          <a:bodyPr/>
+          <a:lstStyle/>
+          <a:p>
+            <a:pPr algn="ctr"/>
+            <a:r>
+              <a:rPr lang="zh-CN" altLang="en-US" dirty="0" smtClean="0"/>
+              <a:t>第四节 非参数检验</a:t>
+            </a:r>
+            <a:endParaRPr lang="zh-CN" altLang="en-US" dirty="0"/>
+          </a:p>
+        </p:txBody>
+      </p:sp>
+      <p:graphicFrame>
+        <p:nvGraphicFramePr>
+          <p:cNvPr id="4" name="内容占位符 3"/>
+          <p:cNvGraphicFramePr>
+            <a:graphicFrameLocks noGrp="1"/>
+          </p:cNvGraphicFramePr>
+          <p:nvPr>
+            <p:ph idx="1"/>
+            <p:extLst>
+              <p:ext uri="{D42A27DB-BD31-4B8C-83A1-F6EECF244321}">
+                <p14:modId xmlns:p14="http://schemas.microsoft.com/office/powerpoint/2010/main" val="3614468164"/>
+              </p:ext>
+            </p:extLst>
+          </p:nvPr>
+        </p:nvGraphicFramePr>
+        <p:xfrm>
+          <a:off x="1960974" y="2276422"/>
+          <a:ext cx="8061332" cy="1982758"/>
+        </p:xfrm>
+        <a:graphic>
+          <a:graphicData uri="http://schemas.openxmlformats.org/drawingml/2006/diagram">
+            <dgm:relIds xmlns:dgm="http://schemas.openxmlformats.org/drawingml/2006/diagram" xmlns:r="http://schemas.openxmlformats.org/officeDocument/2006/relationships" r:dm="rId2" r:lo="rId3" r:qs="rId4" r:cs="rId5"/>
+          </a:graphicData>
+        </a:graphic>
+      </p:graphicFrame>
+    </p:spTree>
+    <p:extLst>
+      <p:ext uri="{BB962C8B-B14F-4D97-AF65-F5344CB8AC3E}">
+        <p14:creationId xmlns:p14="http://schemas.microsoft.com/office/powerpoint/2010/main" val="1575518525"/>
+      </p:ext>
+    </p:extLst>
+  </p:cSld>
+  <p:clrMapOvr>
+    <a:masterClrMapping/>
+  </p:clrMapOvr>
+  <p:timing>
+    <p:tnLst>
+      <p:par>
+        <p:cTn id="1" dur="indefinite" restart="never" nodeType="tmRoot"/>
+      </p:par>
+    </p:tnLst>
+  </p:timing>
+</p:sld>
+</file>
+
+<file path=ppt/slides/slide20.xml><?xml version="1.0" encoding="utf-8"?>
 <p:sld xmlns:a="http://schemas.openxmlformats.org/drawingml/2006/main" xmlns:r="http://schemas.openxmlformats.org/officeDocument/2006/relationships" xmlns:p="http://schemas.openxmlformats.org/presentationml/2006/main">
   <p:cSld>
     <p:spTree>
@@ -21535,7 +21681,7 @@
           <a:graphicData uri="http://schemas.openxmlformats.org/presentationml/2006/ole">
             <mc:AlternateContent xmlns:mc="http://schemas.openxmlformats.org/markup-compatibility/2006">
               <mc:Choice xmlns:v="urn:schemas-microsoft-com:vml" Requires="v">
-                <p:oleObj spid="_x0000_s15370" name="Equation" r:id="rId3" imgW="1396800" imgH="241200" progId="Equation.DSMT4">
+                <p:oleObj spid="_x0000_s15418" name="Equation" r:id="rId3" imgW="1396800" imgH="241200" progId="Equation.DSMT4">
                   <p:embed/>
                 </p:oleObj>
               </mc:Choice>
@@ -21592,7 +21738,7 @@
           <a:graphicData uri="http://schemas.openxmlformats.org/presentationml/2006/ole">
             <mc:AlternateContent xmlns:mc="http://schemas.openxmlformats.org/markup-compatibility/2006">
               <mc:Choice xmlns:v="urn:schemas-microsoft-com:vml" Requires="v">
-                <p:oleObj spid="_x0000_s15371" name="Equation" r:id="rId5" imgW="622080" imgH="431640" progId="Equation.DSMT4">
+                <p:oleObj spid="_x0000_s15419" name="Equation" r:id="rId5" imgW="622080" imgH="431640" progId="Equation.DSMT4">
                   <p:embed/>
                 </p:oleObj>
               </mc:Choice>
@@ -21649,7 +21795,7 @@
           <a:graphicData uri="http://schemas.openxmlformats.org/presentationml/2006/ole">
             <mc:AlternateContent xmlns:mc="http://schemas.openxmlformats.org/markup-compatibility/2006">
               <mc:Choice xmlns:v="urn:schemas-microsoft-com:vml" Requires="v">
-                <p:oleObj spid="_x0000_s15372" name="Equation" r:id="rId7" imgW="622080" imgH="431640" progId="Equation.DSMT4">
+                <p:oleObj spid="_x0000_s15420" name="Equation" r:id="rId7" imgW="622080" imgH="431640" progId="Equation.DSMT4">
                   <p:embed/>
                 </p:oleObj>
               </mc:Choice>
@@ -21736,7 +21882,7 @@
           <a:graphicData uri="http://schemas.openxmlformats.org/presentationml/2006/ole">
             <mc:AlternateContent xmlns:mc="http://schemas.openxmlformats.org/markup-compatibility/2006">
               <mc:Choice xmlns:v="urn:schemas-microsoft-com:vml" Requires="v">
-                <p:oleObj spid="_x0000_s15373" name="Equation" r:id="rId9" imgW="1447560" imgH="457200" progId="Equation.DSMT4">
+                <p:oleObj spid="_x0000_s15421" name="Equation" r:id="rId9" imgW="1447560" imgH="457200" progId="Equation.DSMT4">
                   <p:embed/>
                 </p:oleObj>
               </mc:Choice>
@@ -21997,93 +22143,7 @@
 </p:sld>
 </file>
 
-<file path=ppt/slides/slide2.xml><?xml version="1.0" encoding="utf-8"?>
-<p:sld xmlns:a="http://schemas.openxmlformats.org/drawingml/2006/main" xmlns:r="http://schemas.openxmlformats.org/officeDocument/2006/relationships" xmlns:p="http://schemas.openxmlformats.org/presentationml/2006/main">
-  <p:cSld>
-    <p:spTree>
-      <p:nvGrpSpPr>
-        <p:cNvPr id="1" name=""/>
-        <p:cNvGrpSpPr/>
-        <p:nvPr/>
-      </p:nvGrpSpPr>
-      <p:grpSpPr>
-        <a:xfrm>
-          <a:off x="0" y="0"/>
-          <a:ext cx="0" cy="0"/>
-          <a:chOff x="0" y="0"/>
-          <a:chExt cx="0" cy="0"/>
-        </a:xfrm>
-      </p:grpSpPr>
-      <p:sp>
-        <p:nvSpPr>
-          <p:cNvPr id="2" name="标题 1"/>
-          <p:cNvSpPr>
-            <a:spLocks noGrp="1"/>
-          </p:cNvSpPr>
-          <p:nvPr>
-            <p:ph type="title"/>
-          </p:nvPr>
-        </p:nvSpPr>
-        <p:spPr/>
-        <p:txBody>
-          <a:bodyPr/>
-          <a:lstStyle/>
-          <a:p>
-            <a:pPr algn="ctr"/>
-            <a:r>
-              <a:rPr lang="zh-CN" altLang="en-US" dirty="0" smtClean="0"/>
-              <a:t>第四节 非参数检验</a:t>
-            </a:r>
-            <a:endParaRPr lang="zh-CN" altLang="en-US" dirty="0"/>
-          </a:p>
-        </p:txBody>
-      </p:sp>
-      <p:graphicFrame>
-        <p:nvGraphicFramePr>
-          <p:cNvPr id="4" name="内容占位符 3"/>
-          <p:cNvGraphicFramePr>
-            <a:graphicFrameLocks noGrp="1"/>
-          </p:cNvGraphicFramePr>
-          <p:nvPr>
-            <p:ph idx="1"/>
-            <p:extLst>
-              <p:ext uri="{D42A27DB-BD31-4B8C-83A1-F6EECF244321}">
-                <p14:modId xmlns:p14="http://schemas.microsoft.com/office/powerpoint/2010/main" val="3614468164"/>
-              </p:ext>
-            </p:extLst>
-          </p:nvPr>
-        </p:nvGraphicFramePr>
-        <p:xfrm>
-          <a:off x="1960974" y="2276422"/>
-          <a:ext cx="8061332" cy="1982758"/>
-        </p:xfrm>
-        <a:graphic>
-          <a:graphicData uri="http://schemas.openxmlformats.org/drawingml/2006/diagram">
-            <dgm:relIds xmlns:dgm="http://schemas.openxmlformats.org/drawingml/2006/diagram" xmlns:r="http://schemas.openxmlformats.org/officeDocument/2006/relationships" r:dm="rId2" r:lo="rId3" r:qs="rId4" r:cs="rId5"/>
-          </a:graphicData>
-        </a:graphic>
-      </p:graphicFrame>
-    </p:spTree>
-    <p:extLst>
-      <p:ext uri="{BB962C8B-B14F-4D97-AF65-F5344CB8AC3E}">
-        <p14:creationId xmlns:p14="http://schemas.microsoft.com/office/powerpoint/2010/main" val="1575518525"/>
-      </p:ext>
-    </p:extLst>
-  </p:cSld>
-  <p:clrMapOvr>
-    <a:masterClrMapping/>
-  </p:clrMapOvr>
-  <p:timing>
-    <p:tnLst>
-      <p:par>
-        <p:cTn id="1" dur="indefinite" restart="never" nodeType="tmRoot"/>
-      </p:par>
-    </p:tnLst>
-  </p:timing>
-</p:sld>
-</file>
-
-<file path=ppt/slides/slide20.xml><?xml version="1.0" encoding="utf-8"?>
+<file path=ppt/slides/slide21.xml><?xml version="1.0" encoding="utf-8"?>
 <p:sld xmlns:a="http://schemas.openxmlformats.org/drawingml/2006/main" xmlns:r="http://schemas.openxmlformats.org/officeDocument/2006/relationships" xmlns:p="http://schemas.openxmlformats.org/presentationml/2006/main">
   <p:cSld>
     <p:spTree>
@@ -22200,7 +22260,7 @@
           <a:graphicData uri="http://schemas.openxmlformats.org/presentationml/2006/ole">
             <mc:AlternateContent xmlns:mc="http://schemas.openxmlformats.org/markup-compatibility/2006">
               <mc:Choice xmlns:v="urn:schemas-microsoft-com:vml" Requires="v">
-                <p:oleObj spid="_x0000_s12316" name="Equation" r:id="rId3" imgW="3797280" imgH="482400" progId="Equation.DSMT4">
+                <p:oleObj spid="_x0000_s12328" name="Equation" r:id="rId3" imgW="3797280" imgH="482400" progId="Equation.DSMT4">
                   <p:embed/>
                 </p:oleObj>
               </mc:Choice>
@@ -22255,7 +22315,7 @@
 </p:sld>
 </file>
 
-<file path=ppt/slides/slide21.xml><?xml version="1.0" encoding="utf-8"?>
+<file path=ppt/slides/slide22.xml><?xml version="1.0" encoding="utf-8"?>
 <p:sld xmlns:a="http://schemas.openxmlformats.org/drawingml/2006/main" xmlns:r="http://schemas.openxmlformats.org/officeDocument/2006/relationships" xmlns:p="http://schemas.openxmlformats.org/presentationml/2006/main">
   <p:cSld>
     <p:spTree>
@@ -22555,7 +22615,7 @@
           <a:graphicData uri="http://schemas.openxmlformats.org/presentationml/2006/ole">
             <mc:AlternateContent xmlns:mc="http://schemas.openxmlformats.org/markup-compatibility/2006">
               <mc:Choice xmlns:v="urn:schemas-microsoft-com:vml" Requires="v">
-                <p:oleObj spid="_x0000_s13326" name="Equation" r:id="rId4" imgW="634680" imgH="203040" progId="Equation.DSMT4">
+                <p:oleObj spid="_x0000_s13338" name="Equation" r:id="rId4" imgW="634680" imgH="203040" progId="Equation.DSMT4">
                   <p:embed/>
                 </p:oleObj>
               </mc:Choice>
@@ -23239,7 +23299,7 @@
 </p:sld>
 </file>
 
-<file path=ppt/slides/slide22.xml><?xml version="1.0" encoding="utf-8"?>
+<file path=ppt/slides/slide23.xml><?xml version="1.0" encoding="utf-8"?>
 <p:sld xmlns:a="http://schemas.openxmlformats.org/drawingml/2006/main" xmlns:r="http://schemas.openxmlformats.org/officeDocument/2006/relationships" xmlns:p="http://schemas.openxmlformats.org/presentationml/2006/main">
   <p:cSld>
     <p:spTree>
@@ -23533,7 +23593,7 @@
 </p:sld>
 </file>
 
-<file path=ppt/slides/slide23.xml><?xml version="1.0" encoding="utf-8"?>
+<file path=ppt/slides/slide24.xml><?xml version="1.0" encoding="utf-8"?>
 <p:sld xmlns:a="http://schemas.openxmlformats.org/drawingml/2006/main" xmlns:r="http://schemas.openxmlformats.org/officeDocument/2006/relationships" xmlns:p="http://schemas.openxmlformats.org/presentationml/2006/main">
   <p:cSld>
     <p:spTree>
@@ -23981,7 +24041,7 @@
 </p:sld>
 </file>
 
-<file path=ppt/slides/slide24.xml><?xml version="1.0" encoding="utf-8"?>
+<file path=ppt/slides/slide25.xml><?xml version="1.0" encoding="utf-8"?>
 <p:sld xmlns:a="http://schemas.openxmlformats.org/drawingml/2006/main" xmlns:r="http://schemas.openxmlformats.org/officeDocument/2006/relationships" xmlns:p="http://schemas.openxmlformats.org/presentationml/2006/main">
   <p:cSld>
     <p:spTree>
@@ -24389,7 +24449,7 @@
 </p:sld>
 </file>
 
-<file path=ppt/slides/slide25.xml><?xml version="1.0" encoding="utf-8"?>
+<file path=ppt/slides/slide26.xml><?xml version="1.0" encoding="utf-8"?>
 <p:sld xmlns:a="http://schemas.openxmlformats.org/drawingml/2006/main" xmlns:r="http://schemas.openxmlformats.org/officeDocument/2006/relationships" xmlns:p="http://schemas.openxmlformats.org/presentationml/2006/main">
   <p:cSld>
     <p:spTree>
@@ -24495,7 +24555,7 @@
 </p:sld>
 </file>
 
-<file path=ppt/slides/slide26.xml><?xml version="1.0" encoding="utf-8"?>
+<file path=ppt/slides/slide27.xml><?xml version="1.0" encoding="utf-8"?>
 <p:sld xmlns:a="http://schemas.openxmlformats.org/drawingml/2006/main" xmlns:r="http://schemas.openxmlformats.org/officeDocument/2006/relationships" xmlns:p="http://schemas.openxmlformats.org/presentationml/2006/main">
   <p:cSld>
     <p:spTree>
@@ -24738,7 +24798,7 @@
 </p:sld>
 </file>
 
-<file path=ppt/slides/slide27.xml><?xml version="1.0" encoding="utf-8"?>
+<file path=ppt/slides/slide28.xml><?xml version="1.0" encoding="utf-8"?>
 <p:sld xmlns:a="http://schemas.openxmlformats.org/drawingml/2006/main" xmlns:r="http://schemas.openxmlformats.org/officeDocument/2006/relationships" xmlns:p="http://schemas.openxmlformats.org/presentationml/2006/main">
   <p:cSld>
     <p:spTree>
@@ -24901,7 +24961,7 @@
 </p:sld>
 </file>
 
-<file path=ppt/slides/slide28.xml><?xml version="1.0" encoding="utf-8"?>
+<file path=ppt/slides/slide29.xml><?xml version="1.0" encoding="utf-8"?>
 <p:sld xmlns:a="http://schemas.openxmlformats.org/drawingml/2006/main" xmlns:r="http://schemas.openxmlformats.org/officeDocument/2006/relationships" xmlns:p="http://schemas.openxmlformats.org/presentationml/2006/main">
   <p:cSld>
     <p:spTree>
@@ -26728,7 +26788,7 @@
           <a:graphicData uri="http://schemas.openxmlformats.org/presentationml/2006/ole">
             <mc:AlternateContent xmlns:mc="http://schemas.openxmlformats.org/markup-compatibility/2006">
               <mc:Choice xmlns:v="urn:schemas-microsoft-com:vml" Requires="v">
-                <p:oleObj spid="_x0000_s7216" name="Equation" r:id="rId7" imgW="1942920" imgH="482400" progId="Equation.DSMT4">
+                <p:oleObj spid="_x0000_s7228" name="Equation" r:id="rId7" imgW="1942920" imgH="482400" progId="Equation.DSMT4">
                   <p:embed/>
                 </p:oleObj>
               </mc:Choice>
@@ -27665,7 +27725,7 @@
             </a:pPr>
             <a:r>
               <a:rPr lang="zh-CN" altLang="en-US" dirty="0" smtClean="0"/>
-              <a:t>再或者，能否判断该数据与其他分布相近</a:t>
+              <a:t>在数据分布特征的基础上，能否判断该数据与其他分布相近</a:t>
             </a:r>
             <a:endParaRPr lang="zh-CN" altLang="en-US" dirty="0"/>
           </a:p>
@@ -27835,7 +27895,7 @@
           <a:graphicData uri="http://schemas.openxmlformats.org/presentationml/2006/ole">
             <mc:AlternateContent xmlns:mc="http://schemas.openxmlformats.org/markup-compatibility/2006">
               <mc:Choice xmlns:v="urn:schemas-microsoft-com:vml" Requires="v">
-                <p:oleObj spid="_x0000_s3301" name="Equation" r:id="rId3" imgW="1942920" imgH="482400" progId="Equation.DSMT4">
+                <p:oleObj spid="_x0000_s3349" name="Equation" r:id="rId3" imgW="1942920" imgH="482400" progId="Equation.DSMT4">
                   <p:embed/>
                 </p:oleObj>
               </mc:Choice>
@@ -27892,7 +27952,7 @@
           <a:graphicData uri="http://schemas.openxmlformats.org/presentationml/2006/ole">
             <mc:AlternateContent xmlns:mc="http://schemas.openxmlformats.org/markup-compatibility/2006">
               <mc:Choice xmlns:v="urn:schemas-microsoft-com:vml" Requires="v">
-                <p:oleObj spid="_x0000_s3302" name="Equation" r:id="rId5" imgW="850680" imgH="228600" progId="Equation.DSMT4">
+                <p:oleObj spid="_x0000_s3350" name="Equation" r:id="rId5" imgW="850680" imgH="228600" progId="Equation.DSMT4">
                   <p:embed/>
                 </p:oleObj>
               </mc:Choice>
@@ -27949,7 +28009,7 @@
           <a:graphicData uri="http://schemas.openxmlformats.org/presentationml/2006/ole">
             <mc:AlternateContent xmlns:mc="http://schemas.openxmlformats.org/markup-compatibility/2006">
               <mc:Choice xmlns:v="urn:schemas-microsoft-com:vml" Requires="v">
-                <p:oleObj spid="_x0000_s3303" name="Equation" r:id="rId7" imgW="1282680" imgH="241200" progId="Equation.DSMT4">
+                <p:oleObj spid="_x0000_s3351" name="Equation" r:id="rId7" imgW="1282680" imgH="241200" progId="Equation.DSMT4">
                   <p:embed/>
                 </p:oleObj>
               </mc:Choice>
@@ -28006,7 +28066,7 @@
           <a:graphicData uri="http://schemas.openxmlformats.org/presentationml/2006/ole">
             <mc:AlternateContent xmlns:mc="http://schemas.openxmlformats.org/markup-compatibility/2006">
               <mc:Choice xmlns:v="urn:schemas-microsoft-com:vml" Requires="v">
-                <p:oleObj spid="_x0000_s3304" name="Equation" r:id="rId9" imgW="1307880" imgH="431640" progId="Equation.DSMT4">
+                <p:oleObj spid="_x0000_s3352" name="Equation" r:id="rId9" imgW="1307880" imgH="431640" progId="Equation.DSMT4">
                   <p:embed/>
                 </p:oleObj>
               </mc:Choice>

--- a/数据分析-4-非参数分析.pptx
+++ b/数据分析-4-非参数分析.pptx
@@ -2726,7 +2726,7 @@
           <a:p>
             <a:fld id="{FC9299F6-D16D-46B0-AC4B-FA8D9444DBAF}" type="datetimeFigureOut">
               <a:rPr lang="zh-CN" altLang="en-US" smtClean="0"/>
-              <a:t>2017/10/22</a:t>
+              <a:t>2017/10/23</a:t>
             </a:fld>
             <a:endParaRPr lang="zh-CN" altLang="en-US"/>
           </a:p>
@@ -3312,7 +3312,7 @@
           <a:p>
             <a:fld id="{2AD0FAF9-BC0E-4D6B-B89B-F37C16987706}" type="datetimeFigureOut">
               <a:rPr lang="zh-CN" altLang="en-US" smtClean="0"/>
-              <a:t>2017/10/22</a:t>
+              <a:t>2017/10/23</a:t>
             </a:fld>
             <a:endParaRPr lang="zh-CN" altLang="en-US"/>
           </a:p>
@@ -3520,7 +3520,7 @@
           <a:p>
             <a:fld id="{2AD0FAF9-BC0E-4D6B-B89B-F37C16987706}" type="datetimeFigureOut">
               <a:rPr lang="zh-CN" altLang="en-US" smtClean="0"/>
-              <a:t>2017/10/22</a:t>
+              <a:t>2017/10/23</a:t>
             </a:fld>
             <a:endParaRPr lang="zh-CN" altLang="en-US"/>
           </a:p>
@@ -3776,7 +3776,7 @@
           <a:p>
             <a:fld id="{2AD0FAF9-BC0E-4D6B-B89B-F37C16987706}" type="datetimeFigureOut">
               <a:rPr lang="zh-CN" altLang="en-US" smtClean="0"/>
-              <a:t>2017/10/22</a:t>
+              <a:t>2017/10/23</a:t>
             </a:fld>
             <a:endParaRPr lang="zh-CN" altLang="en-US"/>
           </a:p>
@@ -3975,7 +3975,7 @@
           <a:p>
             <a:fld id="{2AD0FAF9-BC0E-4D6B-B89B-F37C16987706}" type="datetimeFigureOut">
               <a:rPr lang="zh-CN" altLang="en-US" smtClean="0"/>
-              <a:t>2017/10/22</a:t>
+              <a:t>2017/10/23</a:t>
             </a:fld>
             <a:endParaRPr lang="zh-CN" altLang="en-US"/>
           </a:p>
@@ -4317,7 +4317,7 @@
           <a:p>
             <a:fld id="{2AD0FAF9-BC0E-4D6B-B89B-F37C16987706}" type="datetimeFigureOut">
               <a:rPr lang="zh-CN" altLang="en-US" smtClean="0"/>
-              <a:t>2017/10/22</a:t>
+              <a:t>2017/10/23</a:t>
             </a:fld>
             <a:endParaRPr lang="zh-CN" altLang="en-US"/>
           </a:p>
@@ -4592,7 +4592,7 @@
           <a:p>
             <a:fld id="{2AD0FAF9-BC0E-4D6B-B89B-F37C16987706}" type="datetimeFigureOut">
               <a:rPr lang="zh-CN" altLang="en-US" smtClean="0"/>
-              <a:t>2017/10/22</a:t>
+              <a:t>2017/10/23</a:t>
             </a:fld>
             <a:endParaRPr lang="zh-CN" altLang="en-US"/>
           </a:p>
@@ -4971,7 +4971,7 @@
           <a:p>
             <a:fld id="{2AD0FAF9-BC0E-4D6B-B89B-F37C16987706}" type="datetimeFigureOut">
               <a:rPr lang="zh-CN" altLang="en-US" smtClean="0"/>
-              <a:t>2017/10/22</a:t>
+              <a:t>2017/10/23</a:t>
             </a:fld>
             <a:endParaRPr lang="zh-CN" altLang="en-US"/>
           </a:p>
@@ -5089,7 +5089,7 @@
           <a:p>
             <a:fld id="{2AD0FAF9-BC0E-4D6B-B89B-F37C16987706}" type="datetimeFigureOut">
               <a:rPr lang="zh-CN" altLang="en-US" smtClean="0"/>
-              <a:t>2017/10/22</a:t>
+              <a:t>2017/10/23</a:t>
             </a:fld>
             <a:endParaRPr lang="zh-CN" altLang="en-US"/>
           </a:p>
@@ -5260,7 +5260,7 @@
           <a:p>
             <a:fld id="{2AD0FAF9-BC0E-4D6B-B89B-F37C16987706}" type="datetimeFigureOut">
               <a:rPr lang="zh-CN" altLang="en-US" smtClean="0"/>
-              <a:t>2017/10/22</a:t>
+              <a:t>2017/10/23</a:t>
             </a:fld>
             <a:endParaRPr lang="zh-CN" altLang="en-US"/>
           </a:p>
@@ -5614,7 +5614,7 @@
           <a:p>
             <a:fld id="{2AD0FAF9-BC0E-4D6B-B89B-F37C16987706}" type="datetimeFigureOut">
               <a:rPr lang="zh-CN" altLang="en-US" smtClean="0"/>
-              <a:t>2017/10/22</a:t>
+              <a:t>2017/10/23</a:t>
             </a:fld>
             <a:endParaRPr lang="zh-CN" altLang="en-US"/>
           </a:p>
@@ -5996,7 +5996,7 @@
           <a:p>
             <a:fld id="{2AD0FAF9-BC0E-4D6B-B89B-F37C16987706}" type="datetimeFigureOut">
               <a:rPr lang="zh-CN" altLang="en-US" smtClean="0"/>
-              <a:t>2017/10/22</a:t>
+              <a:t>2017/10/23</a:t>
             </a:fld>
             <a:endParaRPr lang="zh-CN" altLang="en-US"/>
           </a:p>
@@ -6283,7 +6283,7 @@
           <a:p>
             <a:fld id="{2AD0FAF9-BC0E-4D6B-B89B-F37C16987706}" type="datetimeFigureOut">
               <a:rPr lang="zh-CN" altLang="en-US" smtClean="0"/>
-              <a:t>2017/10/22</a:t>
+              <a:t>2017/10/23</a:t>
             </a:fld>
             <a:endParaRPr lang="zh-CN" altLang="en-US"/>
           </a:p>
@@ -7037,7 +7037,7 @@
           <a:graphicData uri="http://schemas.openxmlformats.org/presentationml/2006/ole">
             <mc:AlternateContent xmlns:mc="http://schemas.openxmlformats.org/markup-compatibility/2006">
               <mc:Choice xmlns:v="urn:schemas-microsoft-com:vml" Requires="v">
-                <p:oleObj spid="_x0000_s4163" name="Equation" r:id="rId4" imgW="711000" imgH="177480" progId="Equation.DSMT4">
+                <p:oleObj spid="_x0000_s4164" name="Equation" r:id="rId4" imgW="711000" imgH="177480" progId="Equation.DSMT4">
                   <p:embed/>
                 </p:oleObj>
               </mc:Choice>
@@ -7600,7 +7600,7 @@
           <a:graphicData uri="http://schemas.openxmlformats.org/presentationml/2006/ole">
             <mc:AlternateContent xmlns:mc="http://schemas.openxmlformats.org/markup-compatibility/2006">
               <mc:Choice xmlns:v="urn:schemas-microsoft-com:vml" Requires="v">
-                <p:oleObj spid="_x0000_s16390" name="Equation" r:id="rId4" imgW="1396800" imgH="431640" progId="Equation.DSMT4">
+                <p:oleObj spid="_x0000_s16391" name="Equation" r:id="rId4" imgW="1396800" imgH="431640" progId="Equation.DSMT4">
                   <p:embed/>
                 </p:oleObj>
               </mc:Choice>
@@ -8394,7 +8394,7 @@
             <a:graphicData uri="http://schemas.openxmlformats.org/presentationml/2006/ole">
               <mc:AlternateContent xmlns:mc="http://schemas.openxmlformats.org/markup-compatibility/2006">
                 <mc:Choice xmlns:v="urn:schemas-microsoft-com:vml" Requires="v">
-                  <p:oleObj spid="_x0000_s5186" name="Equation" r:id="rId4" imgW="1422360" imgH="533160" progId="Equation.DSMT4">
+                  <p:oleObj spid="_x0000_s5187" name="Equation" r:id="rId4" imgW="1422360" imgH="533160" progId="Equation.DSMT4">
                     <p:embed/>
                   </p:oleObj>
                 </mc:Choice>
@@ -9548,7 +9548,7 @@
             <a:graphicData uri="http://schemas.openxmlformats.org/presentationml/2006/ole">
               <mc:AlternateContent xmlns:mc="http://schemas.openxmlformats.org/markup-compatibility/2006">
                 <mc:Choice xmlns:v="urn:schemas-microsoft-com:vml" Requires="v">
-                  <p:oleObj spid="_x0000_s6210" name="Equation" r:id="rId4" imgW="1511280" imgH="482400" progId="Equation.DSMT4">
+                  <p:oleObj spid="_x0000_s6211" name="Equation" r:id="rId4" imgW="1511280" imgH="482400" progId="Equation.DSMT4">
                     <p:embed/>
                   </p:oleObj>
                 </mc:Choice>
@@ -18020,7 +18020,7 @@
             <a:graphicData uri="http://schemas.openxmlformats.org/presentationml/2006/ole">
               <mc:AlternateContent xmlns:mc="http://schemas.openxmlformats.org/markup-compatibility/2006">
                 <mc:Choice xmlns:v="urn:schemas-microsoft-com:vml" Requires="v">
-                  <p:oleObj spid="_x0000_s8253" name="Equation" r:id="rId5" imgW="164880" imgH="228600" progId="Equation.3">
+                  <p:oleObj spid="_x0000_s8255" name="Equation" r:id="rId5" imgW="164880" imgH="228600" progId="Equation.3">
                     <p:embed/>
                   </p:oleObj>
                 </mc:Choice>
@@ -18516,7 +18516,7 @@
           <a:graphicData uri="http://schemas.openxmlformats.org/presentationml/2006/ole">
             <mc:AlternateContent xmlns:mc="http://schemas.openxmlformats.org/markup-compatibility/2006">
               <mc:Choice xmlns:v="urn:schemas-microsoft-com:vml" Requires="v">
-                <p:oleObj spid="_x0000_s8254" name="Equation" r:id="rId7" imgW="3797280" imgH="482400" progId="Equation.DSMT4">
+                <p:oleObj spid="_x0000_s8256" name="Equation" r:id="rId7" imgW="3797280" imgH="482400" progId="Equation.DSMT4">
                   <p:embed/>
                 </p:oleObj>
               </mc:Choice>
@@ -19502,7 +19502,7 @@
             <a:graphicData uri="http://schemas.openxmlformats.org/presentationml/2006/ole">
               <mc:AlternateContent xmlns:mc="http://schemas.openxmlformats.org/markup-compatibility/2006">
                 <mc:Choice xmlns:v="urn:schemas-microsoft-com:vml" Requires="v">
-                  <p:oleObj spid="_x0000_s9251" name="公式" r:id="rId3" imgW="4330440" imgH="431640" progId="Equation.3">
+                  <p:oleObj spid="_x0000_s9252" name="公式" r:id="rId3" imgW="4330440" imgH="431640" progId="Equation.3">
                     <p:embed/>
                   </p:oleObj>
                 </mc:Choice>
@@ -19728,7 +19728,7 @@
           <a:graphicData uri="http://schemas.openxmlformats.org/presentationml/2006/ole">
             <mc:AlternateContent xmlns:mc="http://schemas.openxmlformats.org/markup-compatibility/2006">
               <mc:Choice xmlns:v="urn:schemas-microsoft-com:vml" Requires="v">
-                <p:oleObj spid="_x0000_s10330" name="Equation" r:id="rId3" imgW="2463480" imgH="457200" progId="Equation.DSMT4">
+                <p:oleObj spid="_x0000_s10333" name="Equation" r:id="rId3" imgW="2463480" imgH="457200" progId="Equation.DSMT4">
                   <p:embed/>
                 </p:oleObj>
               </mc:Choice>
@@ -19799,7 +19799,7 @@
             <a:graphicData uri="http://schemas.openxmlformats.org/presentationml/2006/ole">
               <mc:AlternateContent xmlns:mc="http://schemas.openxmlformats.org/markup-compatibility/2006">
                 <mc:Choice xmlns:v="urn:schemas-microsoft-com:vml" Requires="v">
-                  <p:oleObj spid="_x0000_s10331" name="Equation" r:id="rId5" imgW="1104840" imgH="431640" progId="Equation.DSMT4">
+                  <p:oleObj spid="_x0000_s10334" name="Equation" r:id="rId5" imgW="1104840" imgH="431640" progId="Equation.DSMT4">
                     <p:embed/>
                   </p:oleObj>
                 </mc:Choice>
@@ -19907,7 +19907,7 @@
             <a:graphicData uri="http://schemas.openxmlformats.org/presentationml/2006/ole">
               <mc:AlternateContent xmlns:mc="http://schemas.openxmlformats.org/markup-compatibility/2006">
                 <mc:Choice xmlns:v="urn:schemas-microsoft-com:vml" Requires="v">
-                  <p:oleObj spid="_x0000_s10332" name="Equation" r:id="rId7" imgW="1358640" imgH="457200" progId="Equation.DSMT4">
+                  <p:oleObj spid="_x0000_s10335" name="Equation" r:id="rId7" imgW="1358640" imgH="457200" progId="Equation.DSMT4">
                     <p:embed/>
                   </p:oleObj>
                 </mc:Choice>
@@ -20609,7 +20609,7 @@
           <a:graphicData uri="http://schemas.openxmlformats.org/presentationml/2006/ole">
             <mc:AlternateContent xmlns:mc="http://schemas.openxmlformats.org/markup-compatibility/2006">
               <mc:Choice xmlns:v="urn:schemas-microsoft-com:vml" Requires="v">
-                <p:oleObj spid="_x0000_s11372" name="Equation" r:id="rId3" imgW="2463480" imgH="457200" progId="Equation.DSMT4">
+                <p:oleObj spid="_x0000_s11374" name="Equation" r:id="rId3" imgW="2463480" imgH="457200" progId="Equation.DSMT4">
                   <p:embed/>
                 </p:oleObj>
               </mc:Choice>
@@ -20666,7 +20666,7 @@
           <a:graphicData uri="http://schemas.openxmlformats.org/presentationml/2006/ole">
             <mc:AlternateContent xmlns:mc="http://schemas.openxmlformats.org/markup-compatibility/2006">
               <mc:Choice xmlns:v="urn:schemas-microsoft-com:vml" Requires="v">
-                <p:oleObj spid="_x0000_s11373" name="Equation" r:id="rId5" imgW="1028520" imgH="228600" progId="Equation.DSMT4">
+                <p:oleObj spid="_x0000_s11375" name="Equation" r:id="rId5" imgW="1028520" imgH="228600" progId="Equation.DSMT4">
                   <p:embed/>
                 </p:oleObj>
               </mc:Choice>
@@ -21162,7 +21162,7 @@
           <a:graphicData uri="http://schemas.openxmlformats.org/presentationml/2006/ole">
             <mc:AlternateContent xmlns:mc="http://schemas.openxmlformats.org/markup-compatibility/2006">
               <mc:Choice xmlns:v="urn:schemas-microsoft-com:vml" Requires="v">
-                <p:oleObj spid="_x0000_s14410" name="Equation" r:id="rId3" imgW="1422360" imgH="457200" progId="Equation.DSMT4">
+                <p:oleObj spid="_x0000_s14415" name="Equation" r:id="rId3" imgW="1422360" imgH="457200" progId="Equation.DSMT4">
                   <p:embed/>
                 </p:oleObj>
               </mc:Choice>
@@ -21219,7 +21219,7 @@
           <a:graphicData uri="http://schemas.openxmlformats.org/presentationml/2006/ole">
             <mc:AlternateContent xmlns:mc="http://schemas.openxmlformats.org/markup-compatibility/2006">
               <mc:Choice xmlns:v="urn:schemas-microsoft-com:vml" Requires="v">
-                <p:oleObj spid="_x0000_s14411" name="Equation" r:id="rId5" imgW="1346040" imgH="457200" progId="Equation.DSMT4">
+                <p:oleObj spid="_x0000_s14416" name="Equation" r:id="rId5" imgW="1346040" imgH="457200" progId="Equation.DSMT4">
                   <p:embed/>
                 </p:oleObj>
               </mc:Choice>
@@ -21276,7 +21276,7 @@
           <a:graphicData uri="http://schemas.openxmlformats.org/presentationml/2006/ole">
             <mc:AlternateContent xmlns:mc="http://schemas.openxmlformats.org/markup-compatibility/2006">
               <mc:Choice xmlns:v="urn:schemas-microsoft-com:vml" Requires="v">
-                <p:oleObj spid="_x0000_s14412" name="Equation" r:id="rId7" imgW="698400" imgH="228600" progId="Equation.DSMT4">
+                <p:oleObj spid="_x0000_s14417" name="Equation" r:id="rId7" imgW="698400" imgH="228600" progId="Equation.DSMT4">
                   <p:embed/>
                 </p:oleObj>
               </mc:Choice>
@@ -21333,7 +21333,7 @@
           <a:graphicData uri="http://schemas.openxmlformats.org/presentationml/2006/ole">
             <mc:AlternateContent xmlns:mc="http://schemas.openxmlformats.org/markup-compatibility/2006">
               <mc:Choice xmlns:v="urn:schemas-microsoft-com:vml" Requires="v">
-                <p:oleObj spid="_x0000_s14413" name="Equation" r:id="rId9" imgW="736560" imgH="228600" progId="Equation.DSMT4">
+                <p:oleObj spid="_x0000_s14418" name="Equation" r:id="rId9" imgW="736560" imgH="228600" progId="Equation.DSMT4">
                   <p:embed/>
                 </p:oleObj>
               </mc:Choice>
@@ -21390,7 +21390,7 @@
           <a:graphicData uri="http://schemas.openxmlformats.org/presentationml/2006/ole">
             <mc:AlternateContent xmlns:mc="http://schemas.openxmlformats.org/markup-compatibility/2006">
               <mc:Choice xmlns:v="urn:schemas-microsoft-com:vml" Requires="v">
-                <p:oleObj spid="_x0000_s14414" name="Equation" r:id="rId11" imgW="1130040" imgH="228600" progId="Equation.DSMT4">
+                <p:oleObj spid="_x0000_s14419" name="Equation" r:id="rId11" imgW="1130040" imgH="228600" progId="Equation.DSMT4">
                   <p:embed/>
                 </p:oleObj>
               </mc:Choice>
@@ -21681,7 +21681,7 @@
           <a:graphicData uri="http://schemas.openxmlformats.org/presentationml/2006/ole">
             <mc:AlternateContent xmlns:mc="http://schemas.openxmlformats.org/markup-compatibility/2006">
               <mc:Choice xmlns:v="urn:schemas-microsoft-com:vml" Requires="v">
-                <p:oleObj spid="_x0000_s15418" name="Equation" r:id="rId3" imgW="1396800" imgH="241200" progId="Equation.DSMT4">
+                <p:oleObj spid="_x0000_s15422" name="Equation" r:id="rId3" imgW="1396800" imgH="241200" progId="Equation.DSMT4">
                   <p:embed/>
                 </p:oleObj>
               </mc:Choice>
@@ -21725,25 +21725,25 @@
           <p:nvPr>
             <p:extLst>
               <p:ext uri="{D42A27DB-BD31-4B8C-83A1-F6EECF244321}">
-                <p14:modId xmlns:p14="http://schemas.microsoft.com/office/powerpoint/2010/main" val="3369389741"/>
+                <p14:modId xmlns:p14="http://schemas.microsoft.com/office/powerpoint/2010/main" val="2185198500"/>
               </p:ext>
             </p:extLst>
           </p:nvPr>
         </p:nvGraphicFramePr>
         <p:xfrm>
-          <a:off x="2468879" y="1857598"/>
-          <a:ext cx="1498600" cy="1039812"/>
+          <a:off x="2408238" y="1857375"/>
+          <a:ext cx="1620837" cy="1039813"/>
         </p:xfrm>
         <a:graphic>
           <a:graphicData uri="http://schemas.openxmlformats.org/presentationml/2006/ole">
             <mc:AlternateContent xmlns:mc="http://schemas.openxmlformats.org/markup-compatibility/2006">
               <mc:Choice xmlns:v="urn:schemas-microsoft-com:vml" Requires="v">
-                <p:oleObj spid="_x0000_s15419" name="Equation" r:id="rId5" imgW="622080" imgH="431640" progId="Equation.DSMT4">
+                <p:oleObj spid="_x0000_s15423" name="Equation" r:id="rId5" imgW="672840" imgH="431640" progId="Equation.DSMT4">
                   <p:embed/>
                 </p:oleObj>
               </mc:Choice>
               <mc:Fallback>
-                <p:oleObj name="Equation" r:id="rId5" imgW="622080" imgH="431640" progId="Equation.DSMT4">
+                <p:oleObj name="Equation" r:id="rId5" imgW="672840" imgH="431640" progId="Equation.DSMT4">
                   <p:embed/>
                   <p:pic>
                     <p:nvPicPr>
@@ -21759,8 +21759,8 @@
                     </p:blipFill>
                     <p:spPr>
                       <a:xfrm>
-                        <a:off x="2468879" y="1857598"/>
-                        <a:ext cx="1498600" cy="1039812"/>
+                        <a:off x="2408238" y="1857375"/>
+                        <a:ext cx="1620837" cy="1039813"/>
                       </a:xfrm>
                       <a:prstGeom prst="rect">
                         <a:avLst/>
@@ -21782,25 +21782,25 @@
           <p:nvPr>
             <p:extLst>
               <p:ext uri="{D42A27DB-BD31-4B8C-83A1-F6EECF244321}">
-                <p14:modId xmlns:p14="http://schemas.microsoft.com/office/powerpoint/2010/main" val="2496242715"/>
+                <p14:modId xmlns:p14="http://schemas.microsoft.com/office/powerpoint/2010/main" val="915873"/>
               </p:ext>
             </p:extLst>
           </p:nvPr>
         </p:nvGraphicFramePr>
         <p:xfrm>
-          <a:off x="5543716" y="1805811"/>
-          <a:ext cx="1500188" cy="1039813"/>
+          <a:off x="5497513" y="1806575"/>
+          <a:ext cx="1592262" cy="1039813"/>
         </p:xfrm>
         <a:graphic>
           <a:graphicData uri="http://schemas.openxmlformats.org/presentationml/2006/ole">
             <mc:AlternateContent xmlns:mc="http://schemas.openxmlformats.org/markup-compatibility/2006">
               <mc:Choice xmlns:v="urn:schemas-microsoft-com:vml" Requires="v">
-                <p:oleObj spid="_x0000_s15420" name="Equation" r:id="rId7" imgW="622080" imgH="431640" progId="Equation.DSMT4">
+                <p:oleObj spid="_x0000_s15424" name="Equation" r:id="rId7" imgW="660240" imgH="431640" progId="Equation.DSMT4">
                   <p:embed/>
                 </p:oleObj>
               </mc:Choice>
               <mc:Fallback>
-                <p:oleObj name="Equation" r:id="rId7" imgW="622080" imgH="431640" progId="Equation.DSMT4">
+                <p:oleObj name="Equation" r:id="rId7" imgW="660240" imgH="431640" progId="Equation.DSMT4">
                   <p:embed/>
                   <p:pic>
                     <p:nvPicPr>
@@ -21816,8 +21816,8 @@
                     </p:blipFill>
                     <p:spPr>
                       <a:xfrm>
-                        <a:off x="5543716" y="1805811"/>
-                        <a:ext cx="1500188" cy="1039813"/>
+                        <a:off x="5497513" y="1806575"/>
+                        <a:ext cx="1592262" cy="1039813"/>
                       </a:xfrm>
                       <a:prstGeom prst="rect">
                         <a:avLst/>
@@ -21882,7 +21882,7 @@
           <a:graphicData uri="http://schemas.openxmlformats.org/presentationml/2006/ole">
             <mc:AlternateContent xmlns:mc="http://schemas.openxmlformats.org/markup-compatibility/2006">
               <mc:Choice xmlns:v="urn:schemas-microsoft-com:vml" Requires="v">
-                <p:oleObj spid="_x0000_s15421" name="Equation" r:id="rId9" imgW="1447560" imgH="457200" progId="Equation.DSMT4">
+                <p:oleObj spid="_x0000_s15425" name="Equation" r:id="rId9" imgW="1447560" imgH="457200" progId="Equation.DSMT4">
                   <p:embed/>
                 </p:oleObj>
               </mc:Choice>
@@ -22260,7 +22260,7 @@
           <a:graphicData uri="http://schemas.openxmlformats.org/presentationml/2006/ole">
             <mc:AlternateContent xmlns:mc="http://schemas.openxmlformats.org/markup-compatibility/2006">
               <mc:Choice xmlns:v="urn:schemas-microsoft-com:vml" Requires="v">
-                <p:oleObj spid="_x0000_s12328" name="Equation" r:id="rId3" imgW="3797280" imgH="482400" progId="Equation.DSMT4">
+                <p:oleObj spid="_x0000_s12329" name="Equation" r:id="rId3" imgW="3797280" imgH="482400" progId="Equation.DSMT4">
                   <p:embed/>
                 </p:oleObj>
               </mc:Choice>
@@ -22615,7 +22615,7 @@
           <a:graphicData uri="http://schemas.openxmlformats.org/presentationml/2006/ole">
             <mc:AlternateContent xmlns:mc="http://schemas.openxmlformats.org/markup-compatibility/2006">
               <mc:Choice xmlns:v="urn:schemas-microsoft-com:vml" Requires="v">
-                <p:oleObj spid="_x0000_s13338" name="Equation" r:id="rId4" imgW="634680" imgH="203040" progId="Equation.DSMT4">
+                <p:oleObj spid="_x0000_s13339" name="Equation" r:id="rId4" imgW="634680" imgH="203040" progId="Equation.DSMT4">
                   <p:embed/>
                 </p:oleObj>
               </mc:Choice>
@@ -26788,7 +26788,7 @@
           <a:graphicData uri="http://schemas.openxmlformats.org/presentationml/2006/ole">
             <mc:AlternateContent xmlns:mc="http://schemas.openxmlformats.org/markup-compatibility/2006">
               <mc:Choice xmlns:v="urn:schemas-microsoft-com:vml" Requires="v">
-                <p:oleObj spid="_x0000_s7228" name="Equation" r:id="rId7" imgW="1942920" imgH="482400" progId="Equation.DSMT4">
+                <p:oleObj spid="_x0000_s7229" name="Equation" r:id="rId7" imgW="1942920" imgH="482400" progId="Equation.DSMT4">
                   <p:embed/>
                 </p:oleObj>
               </mc:Choice>
@@ -27895,7 +27895,7 @@
           <a:graphicData uri="http://schemas.openxmlformats.org/presentationml/2006/ole">
             <mc:AlternateContent xmlns:mc="http://schemas.openxmlformats.org/markup-compatibility/2006">
               <mc:Choice xmlns:v="urn:schemas-microsoft-com:vml" Requires="v">
-                <p:oleObj spid="_x0000_s3349" name="Equation" r:id="rId3" imgW="1942920" imgH="482400" progId="Equation.DSMT4">
+                <p:oleObj spid="_x0000_s3353" name="Equation" r:id="rId3" imgW="1942920" imgH="482400" progId="Equation.DSMT4">
                   <p:embed/>
                 </p:oleObj>
               </mc:Choice>
@@ -27952,7 +27952,7 @@
           <a:graphicData uri="http://schemas.openxmlformats.org/presentationml/2006/ole">
             <mc:AlternateContent xmlns:mc="http://schemas.openxmlformats.org/markup-compatibility/2006">
               <mc:Choice xmlns:v="urn:schemas-microsoft-com:vml" Requires="v">
-                <p:oleObj spid="_x0000_s3350" name="Equation" r:id="rId5" imgW="850680" imgH="228600" progId="Equation.DSMT4">
+                <p:oleObj spid="_x0000_s3354" name="Equation" r:id="rId5" imgW="850680" imgH="228600" progId="Equation.DSMT4">
                   <p:embed/>
                 </p:oleObj>
               </mc:Choice>
@@ -28009,7 +28009,7 @@
           <a:graphicData uri="http://schemas.openxmlformats.org/presentationml/2006/ole">
             <mc:AlternateContent xmlns:mc="http://schemas.openxmlformats.org/markup-compatibility/2006">
               <mc:Choice xmlns:v="urn:schemas-microsoft-com:vml" Requires="v">
-                <p:oleObj spid="_x0000_s3351" name="Equation" r:id="rId7" imgW="1282680" imgH="241200" progId="Equation.DSMT4">
+                <p:oleObj spid="_x0000_s3355" name="Equation" r:id="rId7" imgW="1282680" imgH="241200" progId="Equation.DSMT4">
                   <p:embed/>
                 </p:oleObj>
               </mc:Choice>
@@ -28066,7 +28066,7 @@
           <a:graphicData uri="http://schemas.openxmlformats.org/presentationml/2006/ole">
             <mc:AlternateContent xmlns:mc="http://schemas.openxmlformats.org/markup-compatibility/2006">
               <mc:Choice xmlns:v="urn:schemas-microsoft-com:vml" Requires="v">
-                <p:oleObj spid="_x0000_s3352" name="Equation" r:id="rId9" imgW="1307880" imgH="431640" progId="Equation.DSMT4">
+                <p:oleObj spid="_x0000_s3356" name="Equation" r:id="rId9" imgW="1307880" imgH="431640" progId="Equation.DSMT4">
                   <p:embed/>
                 </p:oleObj>
               </mc:Choice>
